--- a/reference_material/slides/003_Distribution_Basics.pptx
+++ b/reference_material/slides/003_Distribution_Basics.pptx
@@ -9,10 +9,15 @@
     <p:sldId id="257" r:id="rId3"/>
     <p:sldId id="258" r:id="rId4"/>
     <p:sldId id="259" r:id="rId5"/>
-    <p:sldId id="260" r:id="rId6"/>
-    <p:sldId id="261" r:id="rId7"/>
-    <p:sldId id="262" r:id="rId8"/>
-    <p:sldId id="263" r:id="rId9"/>
+    <p:sldId id="265" r:id="rId6"/>
+    <p:sldId id="264" r:id="rId7"/>
+    <p:sldId id="260" r:id="rId8"/>
+    <p:sldId id="266" r:id="rId9"/>
+    <p:sldId id="267" r:id="rId10"/>
+    <p:sldId id="261" r:id="rId11"/>
+    <p:sldId id="268" r:id="rId12"/>
+    <p:sldId id="262" r:id="rId13"/>
+    <p:sldId id="263" r:id="rId14"/>
   </p:sldIdLst>
   <p:sldSz cx="12192000" cy="6858000"/>
   <p:notesSz cx="6858000" cy="9144000"/>
@@ -258,7 +263,7 @@
           <a:p>
             <a:fld id="{37483FAA-8DCB-CF4A-AA5F-E981DB5CFF12}" type="datetimeFigureOut">
               <a:rPr lang="en-US" smtClean="0"/>
-              <a:t>5/19/22</a:t>
+              <a:t>6/10/22</a:t>
             </a:fld>
             <a:endParaRPr lang="en-US"/>
           </a:p>
@@ -469,7 +474,7 @@
           <a:p>
             <a:fld id="{37483FAA-8DCB-CF4A-AA5F-E981DB5CFF12}" type="datetimeFigureOut">
               <a:rPr lang="en-US" smtClean="0"/>
-              <a:t>5/19/22</a:t>
+              <a:t>6/10/22</a:t>
             </a:fld>
             <a:endParaRPr lang="en-US"/>
           </a:p>
@@ -684,7 +689,7 @@
           <a:p>
             <a:fld id="{37483FAA-8DCB-CF4A-AA5F-E981DB5CFF12}" type="datetimeFigureOut">
               <a:rPr lang="en-US" smtClean="0"/>
-              <a:t>5/19/22</a:t>
+              <a:t>6/10/22</a:t>
             </a:fld>
             <a:endParaRPr lang="en-US"/>
           </a:p>
@@ -885,7 +890,7 @@
           <a:p>
             <a:fld id="{37483FAA-8DCB-CF4A-AA5F-E981DB5CFF12}" type="datetimeFigureOut">
               <a:rPr lang="en-US" smtClean="0"/>
-              <a:t>5/19/22</a:t>
+              <a:t>6/10/22</a:t>
             </a:fld>
             <a:endParaRPr lang="en-US"/>
           </a:p>
@@ -1164,7 +1169,7 @@
           <a:p>
             <a:fld id="{37483FAA-8DCB-CF4A-AA5F-E981DB5CFF12}" type="datetimeFigureOut">
               <a:rPr lang="en-US" smtClean="0"/>
-              <a:t>5/19/22</a:t>
+              <a:t>6/10/22</a:t>
             </a:fld>
             <a:endParaRPr lang="en-US"/>
           </a:p>
@@ -1432,7 +1437,7 @@
           <a:p>
             <a:fld id="{37483FAA-8DCB-CF4A-AA5F-E981DB5CFF12}" type="datetimeFigureOut">
               <a:rPr lang="en-US" smtClean="0"/>
-              <a:t>5/19/22</a:t>
+              <a:t>6/10/22</a:t>
             </a:fld>
             <a:endParaRPr lang="en-US"/>
           </a:p>
@@ -1848,7 +1853,7 @@
           <a:p>
             <a:fld id="{37483FAA-8DCB-CF4A-AA5F-E981DB5CFF12}" type="datetimeFigureOut">
               <a:rPr lang="en-US" smtClean="0"/>
-              <a:t>5/19/22</a:t>
+              <a:t>6/10/22</a:t>
             </a:fld>
             <a:endParaRPr lang="en-US"/>
           </a:p>
@@ -1997,7 +2002,7 @@
           <a:p>
             <a:fld id="{37483FAA-8DCB-CF4A-AA5F-E981DB5CFF12}" type="datetimeFigureOut">
               <a:rPr lang="en-US" smtClean="0"/>
-              <a:t>5/19/22</a:t>
+              <a:t>6/10/22</a:t>
             </a:fld>
             <a:endParaRPr lang="en-US"/>
           </a:p>
@@ -2123,7 +2128,7 @@
           <a:p>
             <a:fld id="{37483FAA-8DCB-CF4A-AA5F-E981DB5CFF12}" type="datetimeFigureOut">
               <a:rPr lang="en-US" smtClean="0"/>
-              <a:t>5/19/22</a:t>
+              <a:t>6/10/22</a:t>
             </a:fld>
             <a:endParaRPr lang="en-US"/>
           </a:p>
@@ -2374,7 +2379,7 @@
           <a:p>
             <a:fld id="{37483FAA-8DCB-CF4A-AA5F-E981DB5CFF12}" type="datetimeFigureOut">
               <a:rPr lang="en-US" smtClean="0"/>
-              <a:t>5/19/22</a:t>
+              <a:t>6/10/22</a:t>
             </a:fld>
             <a:endParaRPr lang="en-US"/>
           </a:p>
@@ -2819,7 +2824,7 @@
           <a:p>
             <a:fld id="{37483FAA-8DCB-CF4A-AA5F-E981DB5CFF12}" type="datetimeFigureOut">
               <a:rPr lang="en-US" smtClean="0"/>
-              <a:t>5/19/22</a:t>
+              <a:t>6/10/22</a:t>
             </a:fld>
             <a:endParaRPr lang="en-US"/>
           </a:p>
@@ -3146,7 +3151,7 @@
           <a:p>
             <a:fld id="{37483FAA-8DCB-CF4A-AA5F-E981DB5CFF12}" type="datetimeFigureOut">
               <a:rPr lang="en-US" smtClean="0"/>
-              <a:t>5/19/22</a:t>
+              <a:t>6/10/22</a:t>
             </a:fld>
             <a:endParaRPr lang="en-US"/>
           </a:p>
@@ -3700,6 +3705,510 @@
 </p:sld>
 </file>
 
+<file path=ppt/slides/slide10.xml><?xml version="1.0" encoding="utf-8"?>
+<p:sld xmlns:a="http://schemas.openxmlformats.org/drawingml/2006/main" xmlns:r="http://schemas.openxmlformats.org/officeDocument/2006/relationships" xmlns:p="http://schemas.openxmlformats.org/presentationml/2006/main">
+  <p:cSld>
+    <p:spTree>
+      <p:nvGrpSpPr>
+        <p:cNvPr id="1" name=""/>
+        <p:cNvGrpSpPr/>
+        <p:nvPr/>
+      </p:nvGrpSpPr>
+      <p:grpSpPr>
+        <a:xfrm>
+          <a:off x="0" y="0"/>
+          <a:ext cx="0" cy="0"/>
+          <a:chOff x="0" y="0"/>
+          <a:chExt cx="0" cy="0"/>
+        </a:xfrm>
+      </p:grpSpPr>
+      <p:sp>
+        <p:nvSpPr>
+          <p:cNvPr id="2" name="Title 1">
+            <a:extLst>
+              <a:ext uri="{FF2B5EF4-FFF2-40B4-BE49-F238E27FC236}">
+                <a16:creationId xmlns:a16="http://schemas.microsoft.com/office/drawing/2014/main" id="{AC7D94E8-B123-0BE7-AF92-C0B64C6A32EC}"/>
+              </a:ext>
+            </a:extLst>
+          </p:cNvPr>
+          <p:cNvSpPr>
+            <a:spLocks noGrp="1"/>
+          </p:cNvSpPr>
+          <p:nvPr>
+            <p:ph type="title"/>
+          </p:nvPr>
+        </p:nvSpPr>
+        <p:spPr/>
+        <p:txBody>
+          <a:bodyPr/>
+          <a:lstStyle/>
+          <a:p>
+            <a:r>
+              <a:rPr lang="en-US" dirty="0"/>
+              <a:t>Distribution Patterns</a:t>
+            </a:r>
+          </a:p>
+        </p:txBody>
+      </p:sp>
+      <p:sp>
+        <p:nvSpPr>
+          <p:cNvPr id="3" name="Content Placeholder 2">
+            <a:extLst>
+              <a:ext uri="{FF2B5EF4-FFF2-40B4-BE49-F238E27FC236}">
+                <a16:creationId xmlns:a16="http://schemas.microsoft.com/office/drawing/2014/main" id="{32659F72-730D-B58B-1DD4-FB849FB1F23B}"/>
+              </a:ext>
+            </a:extLst>
+          </p:cNvPr>
+          <p:cNvSpPr>
+            <a:spLocks noGrp="1"/>
+          </p:cNvSpPr>
+          <p:nvPr>
+            <p:ph idx="1"/>
+          </p:nvPr>
+        </p:nvSpPr>
+        <p:spPr/>
+        <p:txBody>
+          <a:bodyPr/>
+          <a:lstStyle/>
+          <a:p>
+            <a:r>
+              <a:rPr lang="en-US" dirty="0"/>
+              <a:t>The shape of our empirical distribution could be anything. </a:t>
+            </a:r>
+          </a:p>
+          <a:p>
+            <a:r>
+              <a:rPr lang="en-US" dirty="0"/>
+              <a:t>Many/most pieces of data will follow some preexisting pattern:</a:t>
+            </a:r>
+          </a:p>
+          <a:p>
+            <a:pPr lvl="1"/>
+            <a:r>
+              <a:rPr lang="en-US" dirty="0"/>
+              <a:t>Many natural things are normally distributed (bell curve). </a:t>
+            </a:r>
+          </a:p>
+          <a:p>
+            <a:r>
+              <a:rPr lang="en-US" dirty="0"/>
+              <a:t>The larger our sample is, the more we can expect it to fit a </a:t>
+            </a:r>
+            <a:r>
+              <a:rPr lang="en-US"/>
+              <a:t>distribution pattern. </a:t>
+            </a:r>
+            <a:endParaRPr lang="en-US" dirty="0"/>
+          </a:p>
+        </p:txBody>
+      </p:sp>
+    </p:spTree>
+    <p:extLst>
+      <p:ext uri="{BB962C8B-B14F-4D97-AF65-F5344CB8AC3E}">
+        <p14:creationId xmlns:p14="http://schemas.microsoft.com/office/powerpoint/2010/main" val="1049451532"/>
+      </p:ext>
+    </p:extLst>
+  </p:cSld>
+  <p:clrMapOvr>
+    <a:masterClrMapping/>
+  </p:clrMapOvr>
+</p:sld>
+</file>
+
+<file path=ppt/slides/slide11.xml><?xml version="1.0" encoding="utf-8"?>
+<p:sld xmlns:a="http://schemas.openxmlformats.org/drawingml/2006/main" xmlns:r="http://schemas.openxmlformats.org/officeDocument/2006/relationships" xmlns:p="http://schemas.openxmlformats.org/presentationml/2006/main">
+  <p:cSld>
+    <p:spTree>
+      <p:nvGrpSpPr>
+        <p:cNvPr id="1" name=""/>
+        <p:cNvGrpSpPr/>
+        <p:nvPr/>
+      </p:nvGrpSpPr>
+      <p:grpSpPr>
+        <a:xfrm>
+          <a:off x="0" y="0"/>
+          <a:ext cx="0" cy="0"/>
+          <a:chOff x="0" y="0"/>
+          <a:chExt cx="0" cy="0"/>
+        </a:xfrm>
+      </p:grpSpPr>
+      <p:sp>
+        <p:nvSpPr>
+          <p:cNvPr id="2" name="Title 1">
+            <a:extLst>
+              <a:ext uri="{FF2B5EF4-FFF2-40B4-BE49-F238E27FC236}">
+                <a16:creationId xmlns:a16="http://schemas.microsoft.com/office/drawing/2014/main" id="{E013FA61-5C98-C6B2-AE30-00FE961B1C0F}"/>
+              </a:ext>
+            </a:extLst>
+          </p:cNvPr>
+          <p:cNvSpPr>
+            <a:spLocks noGrp="1"/>
+          </p:cNvSpPr>
+          <p:nvPr>
+            <p:ph type="title"/>
+          </p:nvPr>
+        </p:nvSpPr>
+        <p:spPr/>
+        <p:txBody>
+          <a:bodyPr/>
+          <a:lstStyle/>
+          <a:p>
+            <a:r>
+              <a:rPr lang="en-US" dirty="0"/>
+              <a:t>Normal Distribution</a:t>
+            </a:r>
+          </a:p>
+        </p:txBody>
+      </p:sp>
+      <p:sp>
+        <p:nvSpPr>
+          <p:cNvPr id="3" name="Content Placeholder 2">
+            <a:extLst>
+              <a:ext uri="{FF2B5EF4-FFF2-40B4-BE49-F238E27FC236}">
+                <a16:creationId xmlns:a16="http://schemas.microsoft.com/office/drawing/2014/main" id="{1FD4BD18-6534-9EBD-F62B-57AF8A270DB2}"/>
+              </a:ext>
+            </a:extLst>
+          </p:cNvPr>
+          <p:cNvSpPr>
+            <a:spLocks noGrp="1"/>
+          </p:cNvSpPr>
+          <p:nvPr>
+            <p:ph idx="1"/>
+          </p:nvPr>
+        </p:nvSpPr>
+        <p:spPr/>
+        <p:txBody>
+          <a:bodyPr/>
+          <a:lstStyle/>
+          <a:p>
+            <a:endParaRPr lang="en-US"/>
+          </a:p>
+        </p:txBody>
+      </p:sp>
+      <p:pic>
+        <p:nvPicPr>
+          <p:cNvPr id="5122" name="Picture 2" descr="Normal distribution - Wikipedia">
+            <a:extLst>
+              <a:ext uri="{FF2B5EF4-FFF2-40B4-BE49-F238E27FC236}">
+                <a16:creationId xmlns:a16="http://schemas.microsoft.com/office/drawing/2014/main" id="{69B2BD4E-4A27-84AD-A122-A25D16EE3F11}"/>
+              </a:ext>
+            </a:extLst>
+          </p:cNvPr>
+          <p:cNvPicPr>
+            <a:picLocks noChangeAspect="1" noChangeArrowheads="1"/>
+          </p:cNvPicPr>
+          <p:nvPr/>
+        </p:nvPicPr>
+        <p:blipFill>
+          <a:blip r:embed="rId2">
+            <a:extLst>
+              <a:ext uri="{28A0092B-C50C-407E-A947-70E740481C1C}">
+                <a14:useLocalDpi xmlns:a14="http://schemas.microsoft.com/office/drawing/2010/main" val="0"/>
+              </a:ext>
+            </a:extLst>
+          </a:blip>
+          <a:srcRect/>
+          <a:stretch>
+            <a:fillRect/>
+          </a:stretch>
+        </p:blipFill>
+        <p:spPr bwMode="auto">
+          <a:xfrm>
+            <a:off x="1685433" y="1853754"/>
+            <a:ext cx="8821134" cy="4410568"/>
+          </a:xfrm>
+          <a:prstGeom prst="rect">
+            <a:avLst/>
+          </a:prstGeom>
+          <a:noFill/>
+          <a:extLst>
+            <a:ext uri="{909E8E84-426E-40DD-AFC4-6F175D3DCCD1}">
+              <a14:hiddenFill xmlns:a14="http://schemas.microsoft.com/office/drawing/2010/main">
+                <a:solidFill>
+                  <a:srgbClr val="FFFFFF"/>
+                </a:solidFill>
+              </a14:hiddenFill>
+            </a:ext>
+          </a:extLst>
+        </p:spPr>
+      </p:pic>
+    </p:spTree>
+    <p:extLst>
+      <p:ext uri="{BB962C8B-B14F-4D97-AF65-F5344CB8AC3E}">
+        <p14:creationId xmlns:p14="http://schemas.microsoft.com/office/powerpoint/2010/main" val="1383462276"/>
+      </p:ext>
+    </p:extLst>
+  </p:cSld>
+  <p:clrMapOvr>
+    <a:masterClrMapping/>
+  </p:clrMapOvr>
+</p:sld>
+</file>
+
+<file path=ppt/slides/slide12.xml><?xml version="1.0" encoding="utf-8"?>
+<p:sld xmlns:a="http://schemas.openxmlformats.org/drawingml/2006/main" xmlns:r="http://schemas.openxmlformats.org/officeDocument/2006/relationships" xmlns:p="http://schemas.openxmlformats.org/presentationml/2006/main">
+  <p:cSld>
+    <p:spTree>
+      <p:nvGrpSpPr>
+        <p:cNvPr id="1" name=""/>
+        <p:cNvGrpSpPr/>
+        <p:nvPr/>
+      </p:nvGrpSpPr>
+      <p:grpSpPr>
+        <a:xfrm>
+          <a:off x="0" y="0"/>
+          <a:ext cx="0" cy="0"/>
+          <a:chOff x="0" y="0"/>
+          <a:chExt cx="0" cy="0"/>
+        </a:xfrm>
+      </p:grpSpPr>
+      <p:sp>
+        <p:nvSpPr>
+          <p:cNvPr id="2" name="Title 1">
+            <a:extLst>
+              <a:ext uri="{FF2B5EF4-FFF2-40B4-BE49-F238E27FC236}">
+                <a16:creationId xmlns:a16="http://schemas.microsoft.com/office/drawing/2014/main" id="{97DD2A10-5A31-DDE2-E5CC-D499C37F5080}"/>
+              </a:ext>
+            </a:extLst>
+          </p:cNvPr>
+          <p:cNvSpPr>
+            <a:spLocks noGrp="1"/>
+          </p:cNvSpPr>
+          <p:nvPr>
+            <p:ph type="title"/>
+          </p:nvPr>
+        </p:nvSpPr>
+        <p:spPr/>
+        <p:txBody>
+          <a:bodyPr/>
+          <a:lstStyle/>
+          <a:p>
+            <a:r>
+              <a:rPr lang="en-US" dirty="0"/>
+              <a:t>Analytical Distributions</a:t>
+            </a:r>
+          </a:p>
+        </p:txBody>
+      </p:sp>
+      <p:sp>
+        <p:nvSpPr>
+          <p:cNvPr id="3" name="Content Placeholder 2">
+            <a:extLst>
+              <a:ext uri="{FF2B5EF4-FFF2-40B4-BE49-F238E27FC236}">
+                <a16:creationId xmlns:a16="http://schemas.microsoft.com/office/drawing/2014/main" id="{57486585-4978-FE6A-80E7-BE4DAF08F6DD}"/>
+              </a:ext>
+            </a:extLst>
+          </p:cNvPr>
+          <p:cNvSpPr>
+            <a:spLocks noGrp="1"/>
+          </p:cNvSpPr>
+          <p:nvPr>
+            <p:ph idx="1"/>
+          </p:nvPr>
+        </p:nvSpPr>
+        <p:spPr/>
+        <p:txBody>
+          <a:bodyPr/>
+          <a:lstStyle/>
+          <a:p>
+            <a:r>
+              <a:rPr lang="en-US" dirty="0"/>
+              <a:t>Analytical distributions define the shape of a distribution mathematically. </a:t>
+            </a:r>
+          </a:p>
+          <a:p>
+            <a:r>
+              <a:rPr lang="en-US" dirty="0"/>
+              <a:t>Don’t rely on a particular set of data. </a:t>
+            </a:r>
+          </a:p>
+          <a:p>
+            <a:r>
+              <a:rPr lang="en-US" dirty="0"/>
+              <a:t>Exact shape is determined by parameters.</a:t>
+            </a:r>
+          </a:p>
+          <a:p>
+            <a:pPr lvl="1"/>
+            <a:r>
+              <a:rPr lang="en-US" dirty="0"/>
+              <a:t>E.g. mean and standard deviation. </a:t>
+            </a:r>
+          </a:p>
+          <a:p>
+            <a:r>
+              <a:rPr lang="en-US" dirty="0"/>
+              <a:t>We can ‘match’ our empirical data to a similar analytical distribution. </a:t>
+            </a:r>
+          </a:p>
+          <a:p>
+            <a:pPr lvl="1"/>
+            <a:r>
+              <a:rPr lang="en-US" dirty="0"/>
+              <a:t>We can then use the properties of that distribution on our data. </a:t>
+            </a:r>
+          </a:p>
+        </p:txBody>
+      </p:sp>
+    </p:spTree>
+    <p:extLst>
+      <p:ext uri="{BB962C8B-B14F-4D97-AF65-F5344CB8AC3E}">
+        <p14:creationId xmlns:p14="http://schemas.microsoft.com/office/powerpoint/2010/main" val="2852044474"/>
+      </p:ext>
+    </p:extLst>
+  </p:cSld>
+  <p:clrMapOvr>
+    <a:masterClrMapping/>
+  </p:clrMapOvr>
+</p:sld>
+</file>
+
+<file path=ppt/slides/slide13.xml><?xml version="1.0" encoding="utf-8"?>
+<p:sld xmlns:a="http://schemas.openxmlformats.org/drawingml/2006/main" xmlns:r="http://schemas.openxmlformats.org/officeDocument/2006/relationships" xmlns:p="http://schemas.openxmlformats.org/presentationml/2006/main">
+  <p:cSld>
+    <p:spTree>
+      <p:nvGrpSpPr>
+        <p:cNvPr id="1" name=""/>
+        <p:cNvGrpSpPr/>
+        <p:nvPr/>
+      </p:nvGrpSpPr>
+      <p:grpSpPr>
+        <a:xfrm>
+          <a:off x="0" y="0"/>
+          <a:ext cx="0" cy="0"/>
+          <a:chOff x="0" y="0"/>
+          <a:chExt cx="0" cy="0"/>
+        </a:xfrm>
+      </p:grpSpPr>
+      <p:sp>
+        <p:nvSpPr>
+          <p:cNvPr id="2" name="Title 1">
+            <a:extLst>
+              <a:ext uri="{FF2B5EF4-FFF2-40B4-BE49-F238E27FC236}">
+                <a16:creationId xmlns:a16="http://schemas.microsoft.com/office/drawing/2014/main" id="{E885A71B-91E2-2DE3-8DD4-24C25CE1759C}"/>
+              </a:ext>
+            </a:extLst>
+          </p:cNvPr>
+          <p:cNvSpPr>
+            <a:spLocks noGrp="1"/>
+          </p:cNvSpPr>
+          <p:nvPr>
+            <p:ph type="title"/>
+          </p:nvPr>
+        </p:nvSpPr>
+        <p:spPr/>
+        <p:txBody>
+          <a:bodyPr/>
+          <a:lstStyle/>
+          <a:p>
+            <a:r>
+              <a:rPr lang="en-US" dirty="0"/>
+              <a:t>Example – Generalizing from Sample</a:t>
+            </a:r>
+          </a:p>
+        </p:txBody>
+      </p:sp>
+      <p:sp>
+        <p:nvSpPr>
+          <p:cNvPr id="3" name="Content Placeholder 2">
+            <a:extLst>
+              <a:ext uri="{FF2B5EF4-FFF2-40B4-BE49-F238E27FC236}">
+                <a16:creationId xmlns:a16="http://schemas.microsoft.com/office/drawing/2014/main" id="{4551837D-70C8-63BB-E507-913EB93C7EA7}"/>
+              </a:ext>
+            </a:extLst>
+          </p:cNvPr>
+          <p:cNvSpPr>
+            <a:spLocks noGrp="1"/>
+          </p:cNvSpPr>
+          <p:nvPr>
+            <p:ph idx="1"/>
+          </p:nvPr>
+        </p:nvSpPr>
+        <p:spPr>
+          <a:xfrm>
+            <a:off x="1451579" y="1853754"/>
+            <a:ext cx="9603275" cy="4199727"/>
+          </a:xfrm>
+        </p:spPr>
+        <p:txBody>
+          <a:bodyPr>
+            <a:normAutofit lnSpcReduction="10000"/>
+          </a:bodyPr>
+          <a:lstStyle/>
+          <a:p>
+            <a:r>
+              <a:rPr lang="en-US" dirty="0"/>
+              <a:t>Goal – “How many NAIT students are &lt;5’5” or &gt;6’5””?</a:t>
+            </a:r>
+          </a:p>
+          <a:p>
+            <a:r>
+              <a:rPr lang="en-US" dirty="0"/>
+              <a:t>Process:</a:t>
+            </a:r>
+          </a:p>
+          <a:p>
+            <a:pPr lvl="1"/>
+            <a:r>
+              <a:rPr lang="en-US" dirty="0"/>
+              <a:t>Take a sample of N students, measure them. Calculate mean and std. </a:t>
+            </a:r>
+          </a:p>
+          <a:p>
+            <a:pPr lvl="1"/>
+            <a:r>
+              <a:rPr lang="en-US" dirty="0"/>
+              <a:t>We ”know” height is normally distributed. (This is the logical leap). </a:t>
+            </a:r>
+          </a:p>
+          <a:p>
+            <a:pPr lvl="1"/>
+            <a:r>
+              <a:rPr lang="en-US" dirty="0"/>
+              <a:t>Generate a normal distribution matching mean and std from sample. </a:t>
+            </a:r>
+          </a:p>
+          <a:p>
+            <a:pPr lvl="1"/>
+            <a:r>
+              <a:rPr lang="en-US" dirty="0"/>
+              <a:t>Use standard normal distribution stuff (e.g. z-scores) to answer question. </a:t>
+            </a:r>
+          </a:p>
+          <a:p>
+            <a:r>
+              <a:rPr lang="en-US" dirty="0"/>
+              <a:t>We are able to take a small subset of know heights, generalize that to the population, and then perform analysis on that generalization. </a:t>
+            </a:r>
+          </a:p>
+          <a:p>
+            <a:pPr lvl="1"/>
+            <a:r>
+              <a:rPr lang="en-US" dirty="0"/>
+              <a:t>What may hurt or improve the reliability of this analysis. </a:t>
+            </a:r>
+          </a:p>
+          <a:p>
+            <a:r>
+              <a:rPr lang="en-US" dirty="0"/>
+              <a:t>If you see a Stats Canada estimate from census data, it is likely done like this. </a:t>
+            </a:r>
+          </a:p>
+        </p:txBody>
+      </p:sp>
+    </p:spTree>
+    <p:extLst>
+      <p:ext uri="{BB962C8B-B14F-4D97-AF65-F5344CB8AC3E}">
+        <p14:creationId xmlns:p14="http://schemas.microsoft.com/office/powerpoint/2010/main" val="3258882042"/>
+      </p:ext>
+    </p:extLst>
+  </p:cSld>
+  <p:clrMapOvr>
+    <a:masterClrMapping/>
+  </p:clrMapOvr>
+</p:sld>
+</file>
+
 <file path=ppt/slides/slide2.xml><?xml version="1.0" encoding="utf-8"?>
 <p:sld xmlns:a="http://schemas.openxmlformats.org/drawingml/2006/main" xmlns:r="http://schemas.openxmlformats.org/officeDocument/2006/relationships" xmlns:p="http://schemas.openxmlformats.org/presentationml/2006/main">
   <p:cSld>
@@ -3908,14 +4417,14 @@
             <a:pPr lvl="1"/>
             <a:r>
               <a:rPr lang="en-US" dirty="0"/>
-              <a:t>Histograms for discreet (or binned) data. </a:t>
+              <a:t>Histograms.</a:t>
             </a:r>
           </a:p>
           <a:p>
             <a:pPr lvl="1"/>
             <a:r>
               <a:rPr lang="en-US" dirty="0"/>
-              <a:t>Density plot for numerical data. </a:t>
+              <a:t>Density plots. </a:t>
             </a:r>
           </a:p>
           <a:p>
@@ -4010,6 +4519,100 @@
           </a:p>
         </p:txBody>
       </p:sp>
+      <p:pic>
+        <p:nvPicPr>
+          <p:cNvPr id="1026" name="Picture 2" descr="histogram - Wiktionary">
+            <a:extLst>
+              <a:ext uri="{FF2B5EF4-FFF2-40B4-BE49-F238E27FC236}">
+                <a16:creationId xmlns:a16="http://schemas.microsoft.com/office/drawing/2014/main" id="{62A4F4A2-2E2D-D562-14A1-1C2DD6A16B4A}"/>
+              </a:ext>
+            </a:extLst>
+          </p:cNvPr>
+          <p:cNvPicPr>
+            <a:picLocks noChangeAspect="1" noChangeArrowheads="1"/>
+          </p:cNvPicPr>
+          <p:nvPr/>
+        </p:nvPicPr>
+        <p:blipFill>
+          <a:blip r:embed="rId2">
+            <a:extLst>
+              <a:ext uri="{28A0092B-C50C-407E-A947-70E740481C1C}">
+                <a14:useLocalDpi xmlns:a14="http://schemas.microsoft.com/office/drawing/2010/main" val="0"/>
+              </a:ext>
+            </a:extLst>
+          </a:blip>
+          <a:srcRect/>
+          <a:stretch>
+            <a:fillRect/>
+          </a:stretch>
+        </p:blipFill>
+        <p:spPr bwMode="auto">
+          <a:xfrm>
+            <a:off x="0" y="1391655"/>
+            <a:ext cx="4772025" cy="4772025"/>
+          </a:xfrm>
+          <a:prstGeom prst="rect">
+            <a:avLst/>
+          </a:prstGeom>
+          <a:noFill/>
+          <a:extLst>
+            <a:ext uri="{909E8E84-426E-40DD-AFC4-6F175D3DCCD1}">
+              <a14:hiddenFill xmlns:a14="http://schemas.microsoft.com/office/drawing/2010/main">
+                <a:solidFill>
+                  <a:srgbClr val="FFFFFF"/>
+                </a:solidFill>
+              </a14:hiddenFill>
+            </a:ext>
+          </a:extLst>
+        </p:spPr>
+      </p:pic>
+      <p:pic>
+        <p:nvPicPr>
+          <p:cNvPr id="1030" name="Picture 6" descr="Using Histograms to Understand Your Data - Statistics By Jim">
+            <a:extLst>
+              <a:ext uri="{FF2B5EF4-FFF2-40B4-BE49-F238E27FC236}">
+                <a16:creationId xmlns:a16="http://schemas.microsoft.com/office/drawing/2014/main" id="{B58CE1B0-8CE3-57A0-EFC4-C75E9A6E61DB}"/>
+              </a:ext>
+            </a:extLst>
+          </p:cNvPr>
+          <p:cNvPicPr>
+            <a:picLocks noChangeAspect="1" noChangeArrowheads="1"/>
+          </p:cNvPicPr>
+          <p:nvPr/>
+        </p:nvPicPr>
+        <p:blipFill>
+          <a:blip r:embed="rId3">
+            <a:extLst>
+              <a:ext uri="{28A0092B-C50C-407E-A947-70E740481C1C}">
+                <a14:useLocalDpi xmlns:a14="http://schemas.microsoft.com/office/drawing/2010/main" val="0"/>
+              </a:ext>
+            </a:extLst>
+          </a:blip>
+          <a:srcRect/>
+          <a:stretch>
+            <a:fillRect/>
+          </a:stretch>
+        </p:blipFill>
+        <p:spPr bwMode="auto">
+          <a:xfrm>
+            <a:off x="4772025" y="1286880"/>
+            <a:ext cx="7315200" cy="4876800"/>
+          </a:xfrm>
+          <a:prstGeom prst="rect">
+            <a:avLst/>
+          </a:prstGeom>
+          <a:noFill/>
+          <a:extLst>
+            <a:ext uri="{909E8E84-426E-40DD-AFC4-6F175D3DCCD1}">
+              <a14:hiddenFill xmlns:a14="http://schemas.microsoft.com/office/drawing/2010/main">
+                <a:solidFill>
+                  <a:srgbClr val="FFFFFF"/>
+                </a:solidFill>
+              </a14:hiddenFill>
+            </a:ext>
+          </a:extLst>
+        </p:spPr>
+      </p:pic>
     </p:spTree>
     <p:extLst>
       <p:ext uri="{BB962C8B-B14F-4D97-AF65-F5344CB8AC3E}">
@@ -4045,7 +4648,7 @@
           <p:cNvPr id="2" name="Title 1">
             <a:extLst>
               <a:ext uri="{FF2B5EF4-FFF2-40B4-BE49-F238E27FC236}">
-                <a16:creationId xmlns:a16="http://schemas.microsoft.com/office/drawing/2014/main" id="{787523D9-7780-6F1E-AA54-3CE48D62E4CB}"/>
+                <a16:creationId xmlns:a16="http://schemas.microsoft.com/office/drawing/2014/main" id="{93E8FA40-9A5D-24E6-1EE9-D3978BB337B9}"/>
               </a:ext>
             </a:extLst>
           </p:cNvPr>
@@ -4063,7 +4666,7 @@
           <a:p>
             <a:r>
               <a:rPr lang="en-US" dirty="0"/>
-              <a:t>Density Plots</a:t>
+              <a:t>So… A Bar Graph?</a:t>
             </a:r>
           </a:p>
         </p:txBody>
@@ -4073,7 +4676,7 @@
           <p:cNvPr id="3" name="Content Placeholder 2">
             <a:extLst>
               <a:ext uri="{FF2B5EF4-FFF2-40B4-BE49-F238E27FC236}">
-                <a16:creationId xmlns:a16="http://schemas.microsoft.com/office/drawing/2014/main" id="{0A6A68F8-CBA3-1B48-7D05-842D0B580638}"/>
+                <a16:creationId xmlns:a16="http://schemas.microsoft.com/office/drawing/2014/main" id="{634CCCFD-E3B4-0B33-0C7F-2D5CB0302264}"/>
               </a:ext>
             </a:extLst>
           </p:cNvPr>
@@ -4089,14 +4692,61 @@
           <a:bodyPr/>
           <a:lstStyle/>
           <a:p>
-            <a:endParaRPr lang="en-US"/>
-          </a:p>
-        </p:txBody>
-      </p:sp>
+            <a:endParaRPr lang="en-US" dirty="0"/>
+          </a:p>
+        </p:txBody>
+      </p:sp>
+      <p:pic>
+        <p:nvPicPr>
+          <p:cNvPr id="2050" name="Picture 2" descr="Bar Chart vs Histogram - Edraw">
+            <a:extLst>
+              <a:ext uri="{FF2B5EF4-FFF2-40B4-BE49-F238E27FC236}">
+                <a16:creationId xmlns:a16="http://schemas.microsoft.com/office/drawing/2014/main" id="{A5376A30-4CDB-128B-7041-E22CBB3FA8E4}"/>
+              </a:ext>
+            </a:extLst>
+          </p:cNvPr>
+          <p:cNvPicPr>
+            <a:picLocks noChangeAspect="1" noChangeArrowheads="1"/>
+          </p:cNvPicPr>
+          <p:nvPr/>
+        </p:nvPicPr>
+        <p:blipFill>
+          <a:blip r:embed="rId2">
+            <a:extLst>
+              <a:ext uri="{28A0092B-C50C-407E-A947-70E740481C1C}">
+                <a14:useLocalDpi xmlns:a14="http://schemas.microsoft.com/office/drawing/2010/main" val="0"/>
+              </a:ext>
+            </a:extLst>
+          </a:blip>
+          <a:srcRect/>
+          <a:stretch>
+            <a:fillRect/>
+          </a:stretch>
+        </p:blipFill>
+        <p:spPr bwMode="auto">
+          <a:xfrm>
+            <a:off x="2080511" y="1391655"/>
+            <a:ext cx="8030977" cy="5273675"/>
+          </a:xfrm>
+          <a:prstGeom prst="rect">
+            <a:avLst/>
+          </a:prstGeom>
+          <a:noFill/>
+          <a:extLst>
+            <a:ext uri="{909E8E84-426E-40DD-AFC4-6F175D3DCCD1}">
+              <a14:hiddenFill xmlns:a14="http://schemas.microsoft.com/office/drawing/2010/main">
+                <a:solidFill>
+                  <a:srgbClr val="FFFFFF"/>
+                </a:solidFill>
+              </a14:hiddenFill>
+            </a:ext>
+          </a:extLst>
+        </p:spPr>
+      </p:pic>
     </p:spTree>
     <p:extLst>
       <p:ext uri="{BB962C8B-B14F-4D97-AF65-F5344CB8AC3E}">
-        <p14:creationId xmlns:p14="http://schemas.microsoft.com/office/powerpoint/2010/main" val="1191623847"/>
+        <p14:creationId xmlns:p14="http://schemas.microsoft.com/office/powerpoint/2010/main" val="2416367584"/>
       </p:ext>
     </p:extLst>
   </p:cSld>
@@ -4128,7 +4778,7 @@
           <p:cNvPr id="2" name="Title 1">
             <a:extLst>
               <a:ext uri="{FF2B5EF4-FFF2-40B4-BE49-F238E27FC236}">
-                <a16:creationId xmlns:a16="http://schemas.microsoft.com/office/drawing/2014/main" id="{AC7D94E8-B123-0BE7-AF92-C0B64C6A32EC}"/>
+                <a16:creationId xmlns:a16="http://schemas.microsoft.com/office/drawing/2014/main" id="{5194F1E9-3E05-C5EE-64A2-C4150779EB2E}"/>
               </a:ext>
             </a:extLst>
           </p:cNvPr>
@@ -4146,7 +4796,7 @@
           <a:p>
             <a:r>
               <a:rPr lang="en-US" dirty="0"/>
-              <a:t>Distribution Patterns</a:t>
+              <a:t>Histogram Keys</a:t>
             </a:r>
           </a:p>
         </p:txBody>
@@ -4156,7 +4806,7 @@
           <p:cNvPr id="3" name="Content Placeholder 2">
             <a:extLst>
               <a:ext uri="{FF2B5EF4-FFF2-40B4-BE49-F238E27FC236}">
-                <a16:creationId xmlns:a16="http://schemas.microsoft.com/office/drawing/2014/main" id="{32659F72-730D-B58B-1DD4-FB849FB1F23B}"/>
+                <a16:creationId xmlns:a16="http://schemas.microsoft.com/office/drawing/2014/main" id="{F6FFCF8D-E72C-A029-4B59-DA8E76BD9E68}"/>
               </a:ext>
             </a:extLst>
           </p:cNvPr>
@@ -4174,39 +4824,34 @@
           <a:p>
             <a:r>
               <a:rPr lang="en-US" dirty="0"/>
-              <a:t>The shape of our empirical distribution could be anything. </a:t>
-            </a:r>
-          </a:p>
-          <a:p>
+              <a:t>The size of the bars, or the width of the bins, is flexible:</a:t>
+            </a:r>
+          </a:p>
+          <a:p>
+            <a:pPr lvl="1"/>
             <a:r>
               <a:rPr lang="en-US" dirty="0"/>
-              <a:t>Many/most pieces of data will follow some preexisting pattern:</a:t>
-            </a:r>
-          </a:p>
-          <a:p>
-            <a:pPr lvl="1"/>
+              <a:t>Choose to illustrate the pattern in the data. </a:t>
+            </a:r>
+          </a:p>
+          <a:p>
             <a:r>
               <a:rPr lang="en-US" dirty="0"/>
-              <a:t>Many natural things are normally distributed (bell curve). </a:t>
+              <a:t>The Y axis is always a count of how many times something occurs. </a:t>
             </a:r>
           </a:p>
           <a:p>
             <a:r>
               <a:rPr lang="en-US" dirty="0"/>
-              <a:t>The larger our sample is, the more we can expect it to fit a </a:t>
-            </a:r>
-            <a:r>
-              <a:rPr lang="en-US"/>
-              <a:t>distribution pattern. </a:t>
-            </a:r>
-            <a:endParaRPr lang="en-US" dirty="0"/>
+              <a:t>The X axis is some numerical value – we are breaking that range into parts to generate the graph. </a:t>
+            </a:r>
           </a:p>
         </p:txBody>
       </p:sp>
     </p:spTree>
     <p:extLst>
       <p:ext uri="{BB962C8B-B14F-4D97-AF65-F5344CB8AC3E}">
-        <p14:creationId xmlns:p14="http://schemas.microsoft.com/office/powerpoint/2010/main" val="1049451532"/>
+        <p14:creationId xmlns:p14="http://schemas.microsoft.com/office/powerpoint/2010/main" val="3202998727"/>
       </p:ext>
     </p:extLst>
   </p:cSld>
@@ -4238,7 +4883,7 @@
           <p:cNvPr id="2" name="Title 1">
             <a:extLst>
               <a:ext uri="{FF2B5EF4-FFF2-40B4-BE49-F238E27FC236}">
-                <a16:creationId xmlns:a16="http://schemas.microsoft.com/office/drawing/2014/main" id="{97DD2A10-5A31-DDE2-E5CC-D499C37F5080}"/>
+                <a16:creationId xmlns:a16="http://schemas.microsoft.com/office/drawing/2014/main" id="{787523D9-7780-6F1E-AA54-3CE48D62E4CB}"/>
               </a:ext>
             </a:extLst>
           </p:cNvPr>
@@ -4256,7 +4901,7 @@
           <a:p>
             <a:r>
               <a:rPr lang="en-US" dirty="0"/>
-              <a:t>Analytical Distributions</a:t>
+              <a:t>Density Plots</a:t>
             </a:r>
           </a:p>
         </p:txBody>
@@ -4266,7 +4911,7 @@
           <p:cNvPr id="3" name="Content Placeholder 2">
             <a:extLst>
               <a:ext uri="{FF2B5EF4-FFF2-40B4-BE49-F238E27FC236}">
-                <a16:creationId xmlns:a16="http://schemas.microsoft.com/office/drawing/2014/main" id="{57486585-4978-FE6A-80E7-BE4DAF08F6DD}"/>
+                <a16:creationId xmlns:a16="http://schemas.microsoft.com/office/drawing/2014/main" id="{0A6A68F8-CBA3-1B48-7D05-842D0B580638}"/>
               </a:ext>
             </a:extLst>
           </p:cNvPr>
@@ -4277,46 +4922,55 @@
             <p:ph idx="1"/>
           </p:nvPr>
         </p:nvSpPr>
-        <p:spPr/>
+        <p:spPr>
+          <a:xfrm>
+            <a:off x="1451579" y="2015732"/>
+            <a:ext cx="9603275" cy="4037749"/>
+          </a:xfrm>
+        </p:spPr>
         <p:txBody>
           <a:bodyPr/>
           <a:lstStyle/>
           <a:p>
             <a:r>
               <a:rPr lang="en-US" dirty="0"/>
-              <a:t>Analytical distributions define the shape of a distribution mathematically. </a:t>
+              <a:t>Density plots are effectively a “continuous line” version of a histogram. </a:t>
             </a:r>
           </a:p>
           <a:p>
             <a:r>
               <a:rPr lang="en-US" dirty="0"/>
-              <a:t>Don’t rely on a particular set of data. </a:t>
+              <a:t>Still counts how likely something is to occur. </a:t>
             </a:r>
           </a:p>
           <a:p>
             <a:r>
               <a:rPr lang="en-US" dirty="0"/>
-              <a:t>Exact shape is determined by parameters.</a:t>
-            </a:r>
-          </a:p>
-          <a:p>
-            <a:pPr lvl="1"/>
+              <a:t>Y axis is the density, or the percentage of values that have that value. </a:t>
+            </a:r>
+          </a:p>
+          <a:p>
             <a:r>
               <a:rPr lang="en-US" dirty="0"/>
-              <a:t>E.g. mean and standard deviation. </a:t>
+              <a:t>Can visualize it as if the bins of a histogram got infinitely small. </a:t>
             </a:r>
           </a:p>
           <a:p>
             <a:r>
               <a:rPr lang="en-US" dirty="0"/>
-              <a:t>We can ‘match’ our empirical data to a similar analytical distribution. </a:t>
-            </a:r>
-          </a:p>
-          <a:p>
-            <a:pPr lvl="1"/>
+              <a:t>Useful even when we don’t have the ability to count all the data (more on this later). </a:t>
+            </a:r>
+          </a:p>
+          <a:p>
             <a:r>
               <a:rPr lang="en-US" dirty="0"/>
-              <a:t>We can then use the properties of that distribution on our data. </a:t>
+              <a:t>Provides a smoothed estimation of the exact counts found in a histogram. </a:t>
+            </a:r>
+          </a:p>
+          <a:p>
+            <a:r>
+              <a:rPr lang="en-US" dirty="0"/>
+              <a:t>While a histogram is based on sums, a density plot is based on calculus. </a:t>
             </a:r>
           </a:p>
         </p:txBody>
@@ -4324,7 +4978,7 @@
     </p:spTree>
     <p:extLst>
       <p:ext uri="{BB962C8B-B14F-4D97-AF65-F5344CB8AC3E}">
-        <p14:creationId xmlns:p14="http://schemas.microsoft.com/office/powerpoint/2010/main" val="2852044474"/>
+        <p14:creationId xmlns:p14="http://schemas.microsoft.com/office/powerpoint/2010/main" val="1191623847"/>
       </p:ext>
     </p:extLst>
   </p:cSld>
@@ -4356,7 +5010,7 @@
           <p:cNvPr id="2" name="Title 1">
             <a:extLst>
               <a:ext uri="{FF2B5EF4-FFF2-40B4-BE49-F238E27FC236}">
-                <a16:creationId xmlns:a16="http://schemas.microsoft.com/office/drawing/2014/main" id="{E885A71B-91E2-2DE3-8DD4-24C25CE1759C}"/>
+                <a16:creationId xmlns:a16="http://schemas.microsoft.com/office/drawing/2014/main" id="{8E78C0FA-47B9-B3BE-D4D5-D6A591695208}"/>
               </a:ext>
             </a:extLst>
           </p:cNvPr>
@@ -4372,10 +5026,7 @@
           <a:bodyPr/>
           <a:lstStyle/>
           <a:p>
-            <a:r>
-              <a:rPr lang="en-US" dirty="0"/>
-              <a:t>Example – Generalizing from Sample</a:t>
-            </a:r>
+            <a:endParaRPr lang="en-US"/>
           </a:p>
         </p:txBody>
       </p:sp>
@@ -4384,7 +5035,7 @@
           <p:cNvPr id="3" name="Content Placeholder 2">
             <a:extLst>
               <a:ext uri="{FF2B5EF4-FFF2-40B4-BE49-F238E27FC236}">
-                <a16:creationId xmlns:a16="http://schemas.microsoft.com/office/drawing/2014/main" id="{4551837D-70C8-63BB-E507-913EB93C7EA7}"/>
+                <a16:creationId xmlns:a16="http://schemas.microsoft.com/office/drawing/2014/main" id="{28A07A11-A27F-9342-4CE9-811DA7BDED61}"/>
               </a:ext>
             </a:extLst>
           </p:cNvPr>
@@ -4395,82 +5046,196 @@
             <p:ph idx="1"/>
           </p:nvPr>
         </p:nvSpPr>
-        <p:spPr>
+        <p:spPr/>
+        <p:txBody>
+          <a:bodyPr/>
+          <a:lstStyle/>
+          <a:p>
+            <a:endParaRPr lang="en-US"/>
+          </a:p>
+        </p:txBody>
+      </p:sp>
+      <p:pic>
+        <p:nvPicPr>
+          <p:cNvPr id="3074" name="Picture 2">
+            <a:extLst>
+              <a:ext uri="{FF2B5EF4-FFF2-40B4-BE49-F238E27FC236}">
+                <a16:creationId xmlns:a16="http://schemas.microsoft.com/office/drawing/2014/main" id="{288D4B63-3AFC-F5A0-B63F-4DF26346FD2C}"/>
+              </a:ext>
+            </a:extLst>
+          </p:cNvPr>
+          <p:cNvPicPr>
+            <a:picLocks noChangeAspect="1" noChangeArrowheads="1"/>
+          </p:cNvPicPr>
+          <p:nvPr/>
+        </p:nvPicPr>
+        <p:blipFill>
+          <a:blip r:embed="rId2">
+            <a:extLst>
+              <a:ext uri="{28A0092B-C50C-407E-A947-70E740481C1C}">
+                <a14:useLocalDpi xmlns:a14="http://schemas.microsoft.com/office/drawing/2010/main" val="0"/>
+              </a:ext>
+            </a:extLst>
+          </a:blip>
+          <a:srcRect/>
+          <a:stretch>
+            <a:fillRect/>
+          </a:stretch>
+        </p:blipFill>
+        <p:spPr bwMode="auto">
           <a:xfrm>
-            <a:off x="1451579" y="1853754"/>
-            <a:ext cx="9603275" cy="4199727"/>
+            <a:off x="2203450" y="0"/>
+            <a:ext cx="7783513" cy="6858000"/>
           </a:xfrm>
+          <a:prstGeom prst="rect">
+            <a:avLst/>
+          </a:prstGeom>
+          <a:noFill/>
+          <a:extLst>
+            <a:ext uri="{909E8E84-426E-40DD-AFC4-6F175D3DCCD1}">
+              <a14:hiddenFill xmlns:a14="http://schemas.microsoft.com/office/drawing/2010/main">
+                <a:solidFill>
+                  <a:srgbClr val="FFFFFF"/>
+                </a:solidFill>
+              </a14:hiddenFill>
+            </a:ext>
+          </a:extLst>
         </p:spPr>
-        <p:txBody>
-          <a:bodyPr>
-            <a:normAutofit lnSpcReduction="10000"/>
-          </a:bodyPr>
-          <a:lstStyle/>
-          <a:p>
-            <a:r>
-              <a:rPr lang="en-US" dirty="0"/>
-              <a:t>Goal – “How many NAIT students are &lt;5’5” or &gt;6’5””?</a:t>
-            </a:r>
-          </a:p>
-          <a:p>
-            <a:r>
-              <a:rPr lang="en-US" dirty="0"/>
-              <a:t>Process:</a:t>
-            </a:r>
-          </a:p>
-          <a:p>
-            <a:pPr lvl="1"/>
-            <a:r>
-              <a:rPr lang="en-US" dirty="0"/>
-              <a:t>Take a sample of N students, measure them. Calculate mean and std. </a:t>
-            </a:r>
-          </a:p>
-          <a:p>
-            <a:pPr lvl="1"/>
-            <a:r>
-              <a:rPr lang="en-US" dirty="0"/>
-              <a:t>We ”know” height is normally distributed. (This is the logical leap). </a:t>
-            </a:r>
-          </a:p>
-          <a:p>
-            <a:pPr lvl="1"/>
-            <a:r>
-              <a:rPr lang="en-US" dirty="0"/>
-              <a:t>Generate a normal distribution matching mean and std from sample. </a:t>
-            </a:r>
-          </a:p>
-          <a:p>
-            <a:pPr lvl="1"/>
-            <a:r>
-              <a:rPr lang="en-US" dirty="0"/>
-              <a:t>Use standard normal distribution stuff (e.g. z-scores) to answer question. </a:t>
-            </a:r>
-          </a:p>
-          <a:p>
-            <a:r>
-              <a:rPr lang="en-US" dirty="0"/>
-              <a:t>We are able to take a small subset of know heights, generalize that to the population, and then perform analysis on that generalization. </a:t>
-            </a:r>
-          </a:p>
-          <a:p>
-            <a:pPr lvl="1"/>
-            <a:r>
-              <a:rPr lang="en-US" dirty="0"/>
-              <a:t>What may hurt or improve the reliability of this analysis. </a:t>
-            </a:r>
-          </a:p>
-          <a:p>
-            <a:r>
-              <a:rPr lang="en-US" dirty="0"/>
-              <a:t>If you see a Stats Canada estimate from census data, it is likely done like this. </a:t>
-            </a:r>
-          </a:p>
-        </p:txBody>
-      </p:sp>
+      </p:pic>
     </p:spTree>
     <p:extLst>
       <p:ext uri="{BB962C8B-B14F-4D97-AF65-F5344CB8AC3E}">
-        <p14:creationId xmlns:p14="http://schemas.microsoft.com/office/powerpoint/2010/main" val="3258882042"/>
+        <p14:creationId xmlns:p14="http://schemas.microsoft.com/office/powerpoint/2010/main" val="613255457"/>
+      </p:ext>
+    </p:extLst>
+  </p:cSld>
+  <p:clrMapOvr>
+    <a:masterClrMapping/>
+  </p:clrMapOvr>
+</p:sld>
+</file>
+
+<file path=ppt/slides/slide9.xml><?xml version="1.0" encoding="utf-8"?>
+<p:sld xmlns:a="http://schemas.openxmlformats.org/drawingml/2006/main" xmlns:r="http://schemas.openxmlformats.org/officeDocument/2006/relationships" xmlns:p="http://schemas.openxmlformats.org/presentationml/2006/main">
+  <p:cSld>
+    <p:spTree>
+      <p:nvGrpSpPr>
+        <p:cNvPr id="1" name=""/>
+        <p:cNvGrpSpPr/>
+        <p:nvPr/>
+      </p:nvGrpSpPr>
+      <p:grpSpPr>
+        <a:xfrm>
+          <a:off x="0" y="0"/>
+          <a:ext cx="0" cy="0"/>
+          <a:chOff x="0" y="0"/>
+          <a:chExt cx="0" cy="0"/>
+        </a:xfrm>
+      </p:grpSpPr>
+      <p:sp>
+        <p:nvSpPr>
+          <p:cNvPr id="2" name="Title 1">
+            <a:extLst>
+              <a:ext uri="{FF2B5EF4-FFF2-40B4-BE49-F238E27FC236}">
+                <a16:creationId xmlns:a16="http://schemas.microsoft.com/office/drawing/2014/main" id="{5B53DAD5-455F-D86F-4F93-A4FB5B94B5EC}"/>
+              </a:ext>
+            </a:extLst>
+          </p:cNvPr>
+          <p:cNvSpPr>
+            <a:spLocks noGrp="1"/>
+          </p:cNvSpPr>
+          <p:nvPr>
+            <p:ph type="title"/>
+          </p:nvPr>
+        </p:nvSpPr>
+        <p:spPr/>
+        <p:txBody>
+          <a:bodyPr/>
+          <a:lstStyle/>
+          <a:p>
+            <a:r>
+              <a:rPr lang="en-US" dirty="0"/>
+              <a:t>Density Plot on A Histogram</a:t>
+            </a:r>
+          </a:p>
+        </p:txBody>
+      </p:sp>
+      <p:sp>
+        <p:nvSpPr>
+          <p:cNvPr id="3" name="Content Placeholder 2">
+            <a:extLst>
+              <a:ext uri="{FF2B5EF4-FFF2-40B4-BE49-F238E27FC236}">
+                <a16:creationId xmlns:a16="http://schemas.microsoft.com/office/drawing/2014/main" id="{D411E5F4-FE4F-8DFD-2531-162284F90751}"/>
+              </a:ext>
+            </a:extLst>
+          </p:cNvPr>
+          <p:cNvSpPr>
+            <a:spLocks noGrp="1"/>
+          </p:cNvSpPr>
+          <p:nvPr>
+            <p:ph idx="1"/>
+          </p:nvPr>
+        </p:nvSpPr>
+        <p:spPr/>
+        <p:txBody>
+          <a:bodyPr/>
+          <a:lstStyle/>
+          <a:p>
+            <a:endParaRPr lang="en-US" dirty="0"/>
+          </a:p>
+        </p:txBody>
+      </p:sp>
+      <p:pic>
+        <p:nvPicPr>
+          <p:cNvPr id="4098" name="Picture 2">
+            <a:extLst>
+              <a:ext uri="{FF2B5EF4-FFF2-40B4-BE49-F238E27FC236}">
+                <a16:creationId xmlns:a16="http://schemas.microsoft.com/office/drawing/2014/main" id="{8B27C988-175C-DB79-70D0-63291AA6F455}"/>
+              </a:ext>
+            </a:extLst>
+          </p:cNvPr>
+          <p:cNvPicPr>
+            <a:picLocks noChangeAspect="1" noChangeArrowheads="1"/>
+          </p:cNvPicPr>
+          <p:nvPr/>
+        </p:nvPicPr>
+        <p:blipFill>
+          <a:blip r:embed="rId2">
+            <a:extLst>
+              <a:ext uri="{28A0092B-C50C-407E-A947-70E740481C1C}">
+                <a14:useLocalDpi xmlns:a14="http://schemas.microsoft.com/office/drawing/2010/main" val="0"/>
+              </a:ext>
+            </a:extLst>
+          </a:blip>
+          <a:srcRect/>
+          <a:stretch>
+            <a:fillRect/>
+          </a:stretch>
+        </p:blipFill>
+        <p:spPr bwMode="auto">
+          <a:xfrm>
+            <a:off x="1593850" y="0"/>
+            <a:ext cx="9002713" cy="6858000"/>
+          </a:xfrm>
+          <a:prstGeom prst="rect">
+            <a:avLst/>
+          </a:prstGeom>
+          <a:noFill/>
+          <a:extLst>
+            <a:ext uri="{909E8E84-426E-40DD-AFC4-6F175D3DCCD1}">
+              <a14:hiddenFill xmlns:a14="http://schemas.microsoft.com/office/drawing/2010/main">
+                <a:solidFill>
+                  <a:srgbClr val="FFFFFF"/>
+                </a:solidFill>
+              </a14:hiddenFill>
+            </a:ext>
+          </a:extLst>
+        </p:spPr>
+      </p:pic>
+    </p:spTree>
+    <p:extLst>
+      <p:ext uri="{BB962C8B-B14F-4D97-AF65-F5344CB8AC3E}">
+        <p14:creationId xmlns:p14="http://schemas.microsoft.com/office/powerpoint/2010/main" val="3911371661"/>
       </p:ext>
     </p:extLst>
   </p:cSld>

--- a/reference_material/slides/003_Distribution_Basics.pptx
+++ b/reference_material/slides/003_Distribution_Basics.pptx
@@ -16,8 +16,10 @@
     <p:sldId id="267" r:id="rId10"/>
     <p:sldId id="261" r:id="rId11"/>
     <p:sldId id="268" r:id="rId12"/>
-    <p:sldId id="262" r:id="rId13"/>
-    <p:sldId id="263" r:id="rId14"/>
+    <p:sldId id="269" r:id="rId13"/>
+    <p:sldId id="270" r:id="rId14"/>
+    <p:sldId id="262" r:id="rId15"/>
+    <p:sldId id="263" r:id="rId16"/>
   </p:sldIdLst>
   <p:sldSz cx="12192000" cy="6858000"/>
   <p:notesSz cx="6858000" cy="9144000"/>
@@ -3792,13 +3794,15 @@
           <a:p>
             <a:r>
               <a:rPr lang="en-US" dirty="0"/>
-              <a:t>The larger our sample is, the more we can expect it to fit a </a:t>
-            </a:r>
-            <a:r>
-              <a:rPr lang="en-US"/>
-              <a:t>distribution pattern. </a:t>
-            </a:r>
-            <a:endParaRPr lang="en-US" dirty="0"/>
+              <a:t>The larger our sample is, the more we can expect it to fit a distribution pattern. </a:t>
+            </a:r>
+          </a:p>
+          <a:p>
+            <a:pPr lvl="1"/>
+            <a:r>
+              <a:rPr lang="en-US" dirty="0"/>
+              <a:t>The density plot is easier to match to a distribution – the smoothing deals with randomness. </a:t>
+            </a:r>
           </a:p>
         </p:txBody>
       </p:sp>
@@ -3967,6 +3971,256 @@
           <p:cNvPr id="2" name="Title 1">
             <a:extLst>
               <a:ext uri="{FF2B5EF4-FFF2-40B4-BE49-F238E27FC236}">
+                <a16:creationId xmlns:a16="http://schemas.microsoft.com/office/drawing/2014/main" id="{5CC8DABC-82B8-3704-FB88-EFE21674EA75}"/>
+              </a:ext>
+            </a:extLst>
+          </p:cNvPr>
+          <p:cNvSpPr>
+            <a:spLocks noGrp="1"/>
+          </p:cNvSpPr>
+          <p:nvPr>
+            <p:ph type="title"/>
+          </p:nvPr>
+        </p:nvSpPr>
+        <p:spPr/>
+        <p:txBody>
+          <a:bodyPr/>
+          <a:lstStyle/>
+          <a:p>
+            <a:r>
+              <a:rPr lang="en-US" dirty="0"/>
+              <a:t>Comparisons</a:t>
+            </a:r>
+          </a:p>
+        </p:txBody>
+      </p:sp>
+      <p:sp>
+        <p:nvSpPr>
+          <p:cNvPr id="3" name="Content Placeholder 2">
+            <a:extLst>
+              <a:ext uri="{FF2B5EF4-FFF2-40B4-BE49-F238E27FC236}">
+                <a16:creationId xmlns:a16="http://schemas.microsoft.com/office/drawing/2014/main" id="{27E7D7DB-8118-FD80-1805-1C35225B2516}"/>
+              </a:ext>
+            </a:extLst>
+          </p:cNvPr>
+          <p:cNvSpPr>
+            <a:spLocks noGrp="1"/>
+          </p:cNvSpPr>
+          <p:nvPr>
+            <p:ph idx="1"/>
+          </p:nvPr>
+        </p:nvSpPr>
+        <p:spPr/>
+        <p:txBody>
+          <a:bodyPr/>
+          <a:lstStyle/>
+          <a:p>
+            <a:r>
+              <a:rPr lang="en-US" dirty="0"/>
+              <a:t>Histograms and especially density plots help us see differences between groups. </a:t>
+            </a:r>
+          </a:p>
+          <a:p>
+            <a:pPr lvl="1"/>
+            <a:r>
+              <a:rPr lang="en-US" dirty="0"/>
+              <a:t>Why the “especially” there?</a:t>
+            </a:r>
+          </a:p>
+          <a:p>
+            <a:r>
+              <a:rPr lang="en-US" dirty="0"/>
+              <a:t>We can compare on a more advanced level than comparing means or medians:</a:t>
+            </a:r>
+          </a:p>
+          <a:p>
+            <a:pPr lvl="1"/>
+            <a:r>
+              <a:rPr lang="en-US" dirty="0"/>
+              <a:t>See if the two groups are the same shape. </a:t>
+            </a:r>
+          </a:p>
+          <a:p>
+            <a:pPr lvl="1"/>
+            <a:r>
+              <a:rPr lang="en-US" dirty="0"/>
+              <a:t>See if one is more “spread” than the other. </a:t>
+            </a:r>
+          </a:p>
+          <a:p>
+            <a:pPr lvl="1"/>
+            <a:r>
+              <a:rPr lang="en-US" dirty="0"/>
+              <a:t>Are there tails that make the averages look more similar?</a:t>
+            </a:r>
+          </a:p>
+        </p:txBody>
+      </p:sp>
+    </p:spTree>
+    <p:extLst>
+      <p:ext uri="{BB962C8B-B14F-4D97-AF65-F5344CB8AC3E}">
+        <p14:creationId xmlns:p14="http://schemas.microsoft.com/office/powerpoint/2010/main" val="3812512812"/>
+      </p:ext>
+    </p:extLst>
+  </p:cSld>
+  <p:clrMapOvr>
+    <a:masterClrMapping/>
+  </p:clrMapOvr>
+</p:sld>
+</file>
+
+<file path=ppt/slides/slide13.xml><?xml version="1.0" encoding="utf-8"?>
+<p:sld xmlns:a="http://schemas.openxmlformats.org/drawingml/2006/main" xmlns:r="http://schemas.openxmlformats.org/officeDocument/2006/relationships" xmlns:p="http://schemas.openxmlformats.org/presentationml/2006/main">
+  <p:cSld>
+    <p:spTree>
+      <p:nvGrpSpPr>
+        <p:cNvPr id="1" name=""/>
+        <p:cNvGrpSpPr/>
+        <p:nvPr/>
+      </p:nvGrpSpPr>
+      <p:grpSpPr>
+        <a:xfrm>
+          <a:off x="0" y="0"/>
+          <a:ext cx="0" cy="0"/>
+          <a:chOff x="0" y="0"/>
+          <a:chExt cx="0" cy="0"/>
+        </a:xfrm>
+      </p:grpSpPr>
+      <p:sp>
+        <p:nvSpPr>
+          <p:cNvPr id="2" name="Title 1">
+            <a:extLst>
+              <a:ext uri="{FF2B5EF4-FFF2-40B4-BE49-F238E27FC236}">
+                <a16:creationId xmlns:a16="http://schemas.microsoft.com/office/drawing/2014/main" id="{241E5A45-8872-DC6B-663D-BAAC79E5C1B5}"/>
+              </a:ext>
+            </a:extLst>
+          </p:cNvPr>
+          <p:cNvSpPr>
+            <a:spLocks noGrp="1"/>
+          </p:cNvSpPr>
+          <p:nvPr>
+            <p:ph type="title"/>
+          </p:nvPr>
+        </p:nvSpPr>
+        <p:spPr/>
+        <p:txBody>
+          <a:bodyPr/>
+          <a:lstStyle/>
+          <a:p>
+            <a:r>
+              <a:rPr lang="en-US" dirty="0"/>
+              <a:t>Comparisons on a Density Plot</a:t>
+            </a:r>
+          </a:p>
+        </p:txBody>
+      </p:sp>
+      <p:sp>
+        <p:nvSpPr>
+          <p:cNvPr id="3" name="Content Placeholder 2">
+            <a:extLst>
+              <a:ext uri="{FF2B5EF4-FFF2-40B4-BE49-F238E27FC236}">
+                <a16:creationId xmlns:a16="http://schemas.microsoft.com/office/drawing/2014/main" id="{5F05F44B-23B9-6B92-A8BF-5CF18B99212A}"/>
+              </a:ext>
+            </a:extLst>
+          </p:cNvPr>
+          <p:cNvSpPr>
+            <a:spLocks noGrp="1"/>
+          </p:cNvSpPr>
+          <p:nvPr>
+            <p:ph idx="1"/>
+          </p:nvPr>
+        </p:nvSpPr>
+        <p:spPr/>
+        <p:txBody>
+          <a:bodyPr/>
+          <a:lstStyle/>
+          <a:p>
+            <a:endParaRPr lang="en-US"/>
+          </a:p>
+        </p:txBody>
+      </p:sp>
+      <p:pic>
+        <p:nvPicPr>
+          <p:cNvPr id="6146" name="Picture 2" descr="How To Find Probability From Probability Density Plots | by Admond Lee |  Towards Data Science">
+            <a:extLst>
+              <a:ext uri="{FF2B5EF4-FFF2-40B4-BE49-F238E27FC236}">
+                <a16:creationId xmlns:a16="http://schemas.microsoft.com/office/drawing/2014/main" id="{0F334F3F-7F33-E16C-0DF9-9DFBE4D42030}"/>
+              </a:ext>
+            </a:extLst>
+          </p:cNvPr>
+          <p:cNvPicPr>
+            <a:picLocks noChangeAspect="1" noChangeArrowheads="1"/>
+          </p:cNvPicPr>
+          <p:nvPr/>
+        </p:nvPicPr>
+        <p:blipFill>
+          <a:blip r:embed="rId2">
+            <a:extLst>
+              <a:ext uri="{28A0092B-C50C-407E-A947-70E740481C1C}">
+                <a14:useLocalDpi xmlns:a14="http://schemas.microsoft.com/office/drawing/2010/main" val="0"/>
+              </a:ext>
+            </a:extLst>
+          </a:blip>
+          <a:srcRect/>
+          <a:stretch>
+            <a:fillRect/>
+          </a:stretch>
+        </p:blipFill>
+        <p:spPr bwMode="auto">
+          <a:xfrm>
+            <a:off x="2434485" y="1853754"/>
+            <a:ext cx="7637462" cy="5055936"/>
+          </a:xfrm>
+          <a:prstGeom prst="rect">
+            <a:avLst/>
+          </a:prstGeom>
+          <a:noFill/>
+          <a:extLst>
+            <a:ext uri="{909E8E84-426E-40DD-AFC4-6F175D3DCCD1}">
+              <a14:hiddenFill xmlns:a14="http://schemas.microsoft.com/office/drawing/2010/main">
+                <a:solidFill>
+                  <a:srgbClr val="FFFFFF"/>
+                </a:solidFill>
+              </a14:hiddenFill>
+            </a:ext>
+          </a:extLst>
+        </p:spPr>
+      </p:pic>
+    </p:spTree>
+    <p:extLst>
+      <p:ext uri="{BB962C8B-B14F-4D97-AF65-F5344CB8AC3E}">
+        <p14:creationId xmlns:p14="http://schemas.microsoft.com/office/powerpoint/2010/main" val="585039176"/>
+      </p:ext>
+    </p:extLst>
+  </p:cSld>
+  <p:clrMapOvr>
+    <a:masterClrMapping/>
+  </p:clrMapOvr>
+</p:sld>
+</file>
+
+<file path=ppt/slides/slide14.xml><?xml version="1.0" encoding="utf-8"?>
+<p:sld xmlns:a="http://schemas.openxmlformats.org/drawingml/2006/main" xmlns:r="http://schemas.openxmlformats.org/officeDocument/2006/relationships" xmlns:p="http://schemas.openxmlformats.org/presentationml/2006/main">
+  <p:cSld>
+    <p:spTree>
+      <p:nvGrpSpPr>
+        <p:cNvPr id="1" name=""/>
+        <p:cNvGrpSpPr/>
+        <p:nvPr/>
+      </p:nvGrpSpPr>
+      <p:grpSpPr>
+        <a:xfrm>
+          <a:off x="0" y="0"/>
+          <a:ext cx="0" cy="0"/>
+          <a:chOff x="0" y="0"/>
+          <a:chExt cx="0" cy="0"/>
+        </a:xfrm>
+      </p:grpSpPr>
+      <p:sp>
+        <p:nvSpPr>
+          <p:cNvPr id="2" name="Title 1">
+            <a:extLst>
+              <a:ext uri="{FF2B5EF4-FFF2-40B4-BE49-F238E27FC236}">
                 <a16:creationId xmlns:a16="http://schemas.microsoft.com/office/drawing/2014/main" id="{97DD2A10-5A31-DDE2-E5CC-D499C37F5080}"/>
               </a:ext>
             </a:extLst>
@@ -4063,7 +4317,7 @@
 </p:sld>
 </file>
 
-<file path=ppt/slides/slide13.xml><?xml version="1.0" encoding="utf-8"?>
+<file path=ppt/slides/slide15.xml><?xml version="1.0" encoding="utf-8"?>
 <p:sld xmlns:a="http://schemas.openxmlformats.org/drawingml/2006/main" xmlns:r="http://schemas.openxmlformats.org/officeDocument/2006/relationships" xmlns:p="http://schemas.openxmlformats.org/presentationml/2006/main">
   <p:cSld>
     <p:spTree>

--- a/reference_material/slides/003_Distribution_Basics.pptx
+++ b/reference_material/slides/003_Distribution_Basics.pptx
@@ -20,6 +20,7 @@
     <p:sldId id="270" r:id="rId14"/>
     <p:sldId id="262" r:id="rId15"/>
     <p:sldId id="263" r:id="rId16"/>
+    <p:sldId id="271" r:id="rId17"/>
   </p:sldIdLst>
   <p:sldSz cx="12192000" cy="6858000"/>
   <p:notesSz cx="6858000" cy="9144000"/>
@@ -4463,6 +4464,89 @@
 </p:sld>
 </file>
 
+<file path=ppt/slides/slide16.xml><?xml version="1.0" encoding="utf-8"?>
+<p:sld xmlns:a="http://schemas.openxmlformats.org/drawingml/2006/main" xmlns:r="http://schemas.openxmlformats.org/officeDocument/2006/relationships" xmlns:p="http://schemas.openxmlformats.org/presentationml/2006/main">
+  <p:cSld>
+    <p:spTree>
+      <p:nvGrpSpPr>
+        <p:cNvPr id="1" name=""/>
+        <p:cNvGrpSpPr/>
+        <p:nvPr/>
+      </p:nvGrpSpPr>
+      <p:grpSpPr>
+        <a:xfrm>
+          <a:off x="0" y="0"/>
+          <a:ext cx="0" cy="0"/>
+          <a:chOff x="0" y="0"/>
+          <a:chExt cx="0" cy="0"/>
+        </a:xfrm>
+      </p:grpSpPr>
+      <p:sp>
+        <p:nvSpPr>
+          <p:cNvPr id="2" name="Title 1">
+            <a:extLst>
+              <a:ext uri="{FF2B5EF4-FFF2-40B4-BE49-F238E27FC236}">
+                <a16:creationId xmlns:a16="http://schemas.microsoft.com/office/drawing/2014/main" id="{324C076A-B2B9-4F28-F19D-8320A313CB7E}"/>
+              </a:ext>
+            </a:extLst>
+          </p:cNvPr>
+          <p:cNvSpPr>
+            <a:spLocks noGrp="1"/>
+          </p:cNvSpPr>
+          <p:nvPr>
+            <p:ph type="title"/>
+          </p:nvPr>
+        </p:nvSpPr>
+        <p:spPr/>
+        <p:txBody>
+          <a:bodyPr/>
+          <a:lstStyle/>
+          <a:p>
+            <a:r>
+              <a:rPr lang="en-US"/>
+              <a:t>Conclusions</a:t>
+            </a:r>
+          </a:p>
+        </p:txBody>
+      </p:sp>
+      <p:sp>
+        <p:nvSpPr>
+          <p:cNvPr id="3" name="Content Placeholder 2">
+            <a:extLst>
+              <a:ext uri="{FF2B5EF4-FFF2-40B4-BE49-F238E27FC236}">
+                <a16:creationId xmlns:a16="http://schemas.microsoft.com/office/drawing/2014/main" id="{A932BE55-63BD-769C-5BB0-223EED99DF92}"/>
+              </a:ext>
+            </a:extLst>
+          </p:cNvPr>
+          <p:cNvSpPr>
+            <a:spLocks noGrp="1"/>
+          </p:cNvSpPr>
+          <p:nvPr>
+            <p:ph idx="1"/>
+          </p:nvPr>
+        </p:nvSpPr>
+        <p:spPr/>
+        <p:txBody>
+          <a:bodyPr/>
+          <a:lstStyle/>
+          <a:p>
+            <a:endParaRPr lang="en-US"/>
+          </a:p>
+        </p:txBody>
+      </p:sp>
+    </p:spTree>
+    <p:extLst>
+      <p:ext uri="{BB962C8B-B14F-4D97-AF65-F5344CB8AC3E}">
+        <p14:creationId xmlns:p14="http://schemas.microsoft.com/office/powerpoint/2010/main" val="215184273"/>
+      </p:ext>
+    </p:extLst>
+  </p:cSld>
+  <p:clrMapOvr>
+    <a:masterClrMapping/>
+  </p:clrMapOvr>
+</p:sld>
+</file>
+
 <file path=ppt/slides/slide2.xml><?xml version="1.0" encoding="utf-8"?>
 <p:sld xmlns:a="http://schemas.openxmlformats.org/drawingml/2006/main" xmlns:r="http://schemas.openxmlformats.org/officeDocument/2006/relationships" xmlns:p="http://schemas.openxmlformats.org/presentationml/2006/main">
   <p:cSld>

--- a/reference_material/slides/003_Distribution_Basics.pptx
+++ b/reference_material/slides/003_Distribution_Basics.pptx
@@ -5,22 +5,24 @@
     <p:sldMasterId id="2147483660" r:id="rId1"/>
   </p:sldMasterIdLst>
   <p:sldIdLst>
-    <p:sldId id="256" r:id="rId2"/>
-    <p:sldId id="257" r:id="rId3"/>
-    <p:sldId id="258" r:id="rId4"/>
-    <p:sldId id="259" r:id="rId5"/>
-    <p:sldId id="265" r:id="rId6"/>
-    <p:sldId id="264" r:id="rId7"/>
-    <p:sldId id="260" r:id="rId8"/>
-    <p:sldId id="266" r:id="rId9"/>
-    <p:sldId id="267" r:id="rId10"/>
-    <p:sldId id="261" r:id="rId11"/>
-    <p:sldId id="268" r:id="rId12"/>
-    <p:sldId id="269" r:id="rId13"/>
-    <p:sldId id="270" r:id="rId14"/>
-    <p:sldId id="262" r:id="rId15"/>
-    <p:sldId id="263" r:id="rId16"/>
-    <p:sldId id="271" r:id="rId17"/>
+    <p:sldId id="272" r:id="rId2"/>
+    <p:sldId id="256" r:id="rId3"/>
+    <p:sldId id="257" r:id="rId4"/>
+    <p:sldId id="273" r:id="rId5"/>
+    <p:sldId id="258" r:id="rId6"/>
+    <p:sldId id="259" r:id="rId7"/>
+    <p:sldId id="265" r:id="rId8"/>
+    <p:sldId id="264" r:id="rId9"/>
+    <p:sldId id="260" r:id="rId10"/>
+    <p:sldId id="266" r:id="rId11"/>
+    <p:sldId id="267" r:id="rId12"/>
+    <p:sldId id="261" r:id="rId13"/>
+    <p:sldId id="268" r:id="rId14"/>
+    <p:sldId id="269" r:id="rId15"/>
+    <p:sldId id="270" r:id="rId16"/>
+    <p:sldId id="262" r:id="rId17"/>
+    <p:sldId id="263" r:id="rId18"/>
+    <p:sldId id="271" r:id="rId19"/>
   </p:sldIdLst>
   <p:sldSz cx="12192000" cy="6858000"/>
   <p:notesSz cx="6858000" cy="9144000"/>
@@ -266,7 +268,7 @@
           <a:p>
             <a:fld id="{37483FAA-8DCB-CF4A-AA5F-E981DB5CFF12}" type="datetimeFigureOut">
               <a:rPr lang="en-US" smtClean="0"/>
-              <a:t>6/10/22</a:t>
+              <a:t>9/9/22</a:t>
             </a:fld>
             <a:endParaRPr lang="en-US"/>
           </a:p>
@@ -477,7 +479,7 @@
           <a:p>
             <a:fld id="{37483FAA-8DCB-CF4A-AA5F-E981DB5CFF12}" type="datetimeFigureOut">
               <a:rPr lang="en-US" smtClean="0"/>
-              <a:t>6/10/22</a:t>
+              <a:t>9/9/22</a:t>
             </a:fld>
             <a:endParaRPr lang="en-US"/>
           </a:p>
@@ -692,7 +694,7 @@
           <a:p>
             <a:fld id="{37483FAA-8DCB-CF4A-AA5F-E981DB5CFF12}" type="datetimeFigureOut">
               <a:rPr lang="en-US" smtClean="0"/>
-              <a:t>6/10/22</a:t>
+              <a:t>9/9/22</a:t>
             </a:fld>
             <a:endParaRPr lang="en-US"/>
           </a:p>
@@ -893,7 +895,7 @@
           <a:p>
             <a:fld id="{37483FAA-8DCB-CF4A-AA5F-E981DB5CFF12}" type="datetimeFigureOut">
               <a:rPr lang="en-US" smtClean="0"/>
-              <a:t>6/10/22</a:t>
+              <a:t>9/9/22</a:t>
             </a:fld>
             <a:endParaRPr lang="en-US"/>
           </a:p>
@@ -1172,7 +1174,7 @@
           <a:p>
             <a:fld id="{37483FAA-8DCB-CF4A-AA5F-E981DB5CFF12}" type="datetimeFigureOut">
               <a:rPr lang="en-US" smtClean="0"/>
-              <a:t>6/10/22</a:t>
+              <a:t>9/9/22</a:t>
             </a:fld>
             <a:endParaRPr lang="en-US"/>
           </a:p>
@@ -1440,7 +1442,7 @@
           <a:p>
             <a:fld id="{37483FAA-8DCB-CF4A-AA5F-E981DB5CFF12}" type="datetimeFigureOut">
               <a:rPr lang="en-US" smtClean="0"/>
-              <a:t>6/10/22</a:t>
+              <a:t>9/9/22</a:t>
             </a:fld>
             <a:endParaRPr lang="en-US"/>
           </a:p>
@@ -1856,7 +1858,7 @@
           <a:p>
             <a:fld id="{37483FAA-8DCB-CF4A-AA5F-E981DB5CFF12}" type="datetimeFigureOut">
               <a:rPr lang="en-US" smtClean="0"/>
-              <a:t>6/10/22</a:t>
+              <a:t>9/9/22</a:t>
             </a:fld>
             <a:endParaRPr lang="en-US"/>
           </a:p>
@@ -2005,7 +2007,7 @@
           <a:p>
             <a:fld id="{37483FAA-8DCB-CF4A-AA5F-E981DB5CFF12}" type="datetimeFigureOut">
               <a:rPr lang="en-US" smtClean="0"/>
-              <a:t>6/10/22</a:t>
+              <a:t>9/9/22</a:t>
             </a:fld>
             <a:endParaRPr lang="en-US"/>
           </a:p>
@@ -2131,7 +2133,7 @@
           <a:p>
             <a:fld id="{37483FAA-8DCB-CF4A-AA5F-E981DB5CFF12}" type="datetimeFigureOut">
               <a:rPr lang="en-US" smtClean="0"/>
-              <a:t>6/10/22</a:t>
+              <a:t>9/9/22</a:t>
             </a:fld>
             <a:endParaRPr lang="en-US"/>
           </a:p>
@@ -2382,7 +2384,7 @@
           <a:p>
             <a:fld id="{37483FAA-8DCB-CF4A-AA5F-E981DB5CFF12}" type="datetimeFigureOut">
               <a:rPr lang="en-US" smtClean="0"/>
-              <a:t>6/10/22</a:t>
+              <a:t>9/9/22</a:t>
             </a:fld>
             <a:endParaRPr lang="en-US"/>
           </a:p>
@@ -2827,7 +2829,7 @@
           <a:p>
             <a:fld id="{37483FAA-8DCB-CF4A-AA5F-E981DB5CFF12}" type="datetimeFigureOut">
               <a:rPr lang="en-US" smtClean="0"/>
-              <a:t>6/10/22</a:t>
+              <a:t>9/9/22</a:t>
             </a:fld>
             <a:endParaRPr lang="en-US"/>
           </a:p>
@@ -3154,7 +3156,7 @@
           <a:p>
             <a:fld id="{37483FAA-8DCB-CF4A-AA5F-E981DB5CFF12}" type="datetimeFigureOut">
               <a:rPr lang="en-US" smtClean="0"/>
-              <a:t>6/10/22</a:t>
+              <a:t>9/9/22</a:t>
             </a:fld>
             <a:endParaRPr lang="en-US"/>
           </a:p>
@@ -3645,7 +3647,7 @@
           <p:cNvPr id="2" name="Title 1">
             <a:extLst>
               <a:ext uri="{FF2B5EF4-FFF2-40B4-BE49-F238E27FC236}">
-                <a16:creationId xmlns:a16="http://schemas.microsoft.com/office/drawing/2014/main" id="{909951EA-A403-4C52-42D9-85332BB51FB4}"/>
+                <a16:creationId xmlns:a16="http://schemas.microsoft.com/office/drawing/2014/main" id="{4B7CAF16-300E-367C-7982-1895D973B01A}"/>
               </a:ext>
             </a:extLst>
           </p:cNvPr>
@@ -3653,29 +3655,27 @@
             <a:spLocks noGrp="1"/>
           </p:cNvSpPr>
           <p:nvPr>
-            <p:ph type="ctrTitle"/>
+            <p:ph type="title"/>
           </p:nvPr>
         </p:nvSpPr>
         <p:spPr/>
         <p:txBody>
-          <a:bodyPr>
-            <a:normAutofit/>
-          </a:bodyPr>
-          <a:lstStyle/>
-          <a:p>
-            <a:r>
-              <a:rPr lang="en-US" dirty="0"/>
-              <a:t>Distributions</a:t>
-            </a:r>
-          </a:p>
-        </p:txBody>
-      </p:sp>
-      <p:sp>
-        <p:nvSpPr>
-          <p:cNvPr id="3" name="Subtitle 2">
+          <a:bodyPr/>
+          <a:lstStyle/>
+          <a:p>
+            <a:r>
+              <a:rPr lang="en-US" dirty="0"/>
+              <a:t>Review and Today</a:t>
+            </a:r>
+          </a:p>
+        </p:txBody>
+      </p:sp>
+      <p:sp>
+        <p:nvSpPr>
+          <p:cNvPr id="3" name="Content Placeholder 2">
             <a:extLst>
               <a:ext uri="{FF2B5EF4-FFF2-40B4-BE49-F238E27FC236}">
-                <a16:creationId xmlns:a16="http://schemas.microsoft.com/office/drawing/2014/main" id="{E8E05441-E8DA-B65A-0CE4-EA002051F1FC}"/>
+                <a16:creationId xmlns:a16="http://schemas.microsoft.com/office/drawing/2014/main" id="{3F2C27BC-A59D-79D2-61F9-50E844CD03D2}"/>
               </a:ext>
             </a:extLst>
           </p:cNvPr>
@@ -3683,22 +3683,174 @@
             <a:spLocks noGrp="1"/>
           </p:cNvSpPr>
           <p:nvPr>
-            <p:ph type="subTitle" idx="1"/>
-          </p:nvPr>
-        </p:nvSpPr>
-        <p:spPr/>
-        <p:txBody>
-          <a:bodyPr/>
-          <a:lstStyle/>
-          <a:p>
-            <a:endParaRPr lang="en-US" dirty="0"/>
+            <p:ph sz="half" idx="1"/>
+          </p:nvPr>
+        </p:nvSpPr>
+        <p:spPr>
+          <a:xfrm>
+            <a:off x="688769" y="2010878"/>
+            <a:ext cx="5403714" cy="3448595"/>
+          </a:xfrm>
+        </p:spPr>
+        <p:txBody>
+          <a:bodyPr/>
+          <a:lstStyle/>
+          <a:p>
+            <a:r>
+              <a:rPr lang="en-US" dirty="0"/>
+              <a:t>Remember from last time:</a:t>
+            </a:r>
+          </a:p>
+          <a:p>
+            <a:pPr lvl="1"/>
+            <a:r>
+              <a:rPr lang="en-US" dirty="0"/>
+              <a:t>Load data from a csv file into a </a:t>
+            </a:r>
+            <a:r>
+              <a:rPr lang="en-US" dirty="0" err="1"/>
+              <a:t>dataframe</a:t>
+            </a:r>
+            <a:r>
+              <a:rPr lang="en-US" dirty="0"/>
+              <a:t>.</a:t>
+            </a:r>
+          </a:p>
+          <a:p>
+            <a:pPr lvl="1"/>
+            <a:r>
+              <a:rPr lang="en-US" dirty="0"/>
+              <a:t>Run functions “on” that </a:t>
+            </a:r>
+            <a:r>
+              <a:rPr lang="en-US" dirty="0" err="1"/>
+              <a:t>dataframe</a:t>
+            </a:r>
+            <a:r>
+              <a:rPr lang="en-US" dirty="0"/>
+              <a:t> variable (head, tail, info, describe, …). </a:t>
+            </a:r>
+          </a:p>
+          <a:p>
+            <a:pPr lvl="1"/>
+            <a:r>
+              <a:rPr lang="en-US" dirty="0"/>
+              <a:t>Slice columns out of </a:t>
+            </a:r>
+            <a:r>
+              <a:rPr lang="en-US" dirty="0" err="1"/>
+              <a:t>dataframe</a:t>
+            </a:r>
+            <a:r>
+              <a:rPr lang="en-US" dirty="0"/>
+              <a:t>. </a:t>
+            </a:r>
+          </a:p>
+          <a:p>
+            <a:pPr lvl="1"/>
+            <a:r>
+              <a:rPr lang="en-US" dirty="0"/>
+              <a:t>Examine those variables for type (num. v. cat) and basic stats (“middle” and “spread”). </a:t>
+            </a:r>
+          </a:p>
+        </p:txBody>
+      </p:sp>
+      <p:sp>
+        <p:nvSpPr>
+          <p:cNvPr id="4" name="Content Placeholder 3">
+            <a:extLst>
+              <a:ext uri="{FF2B5EF4-FFF2-40B4-BE49-F238E27FC236}">
+                <a16:creationId xmlns:a16="http://schemas.microsoft.com/office/drawing/2014/main" id="{D1C65FA7-34FE-4372-3EC5-2569DE406A5A}"/>
+              </a:ext>
+            </a:extLst>
+          </p:cNvPr>
+          <p:cNvSpPr>
+            <a:spLocks noGrp="1"/>
+          </p:cNvSpPr>
+          <p:nvPr>
+            <p:ph sz="half" idx="2"/>
+          </p:nvPr>
+        </p:nvSpPr>
+        <p:spPr>
+          <a:xfrm>
+            <a:off x="6413771" y="2017343"/>
+            <a:ext cx="5403714" cy="3441520"/>
+          </a:xfrm>
+        </p:spPr>
+        <p:txBody>
+          <a:bodyPr/>
+          <a:lstStyle/>
+          <a:p>
+            <a:r>
+              <a:rPr lang="en-US" dirty="0"/>
+              <a:t>Today:</a:t>
+            </a:r>
+          </a:p>
+          <a:p>
+            <a:pPr lvl="1"/>
+            <a:r>
+              <a:rPr lang="en-US" dirty="0"/>
+              <a:t>Samples and populations. </a:t>
+            </a:r>
+          </a:p>
+          <a:p>
+            <a:pPr lvl="1"/>
+            <a:r>
+              <a:rPr lang="en-US" dirty="0"/>
+              <a:t>Segmenting data into groups. </a:t>
+            </a:r>
+          </a:p>
+          <a:p>
+            <a:pPr lvl="1"/>
+            <a:r>
+              <a:rPr lang="en-US" dirty="0"/>
+              <a:t>More </a:t>
+            </a:r>
+            <a:r>
+              <a:rPr lang="en-US" dirty="0" err="1"/>
+              <a:t>dataframe</a:t>
+            </a:r>
+            <a:r>
+              <a:rPr lang="en-US" dirty="0"/>
+              <a:t> manipulation and basic python. </a:t>
+            </a:r>
+          </a:p>
+          <a:p>
+            <a:pPr lvl="1"/>
+            <a:r>
+              <a:rPr lang="en-US" dirty="0"/>
+              <a:t>Distributions and </a:t>
+            </a:r>
+            <a:r>
+              <a:rPr lang="en-US" dirty="0" err="1"/>
+              <a:t>thinkstats</a:t>
+            </a:r>
+            <a:r>
+              <a:rPr lang="en-US" dirty="0"/>
+              <a:t>/</a:t>
+            </a:r>
+            <a:r>
+              <a:rPr lang="en-US" dirty="0" err="1"/>
+              <a:t>thinkplot</a:t>
+            </a:r>
+            <a:r>
+              <a:rPr lang="en-US" dirty="0"/>
+              <a:t> packages. </a:t>
+            </a:r>
+          </a:p>
+          <a:p>
+            <a:pPr lvl="1"/>
+            <a:r>
+              <a:rPr lang="en-US" dirty="0"/>
+              <a:t>Textbook references. </a:t>
+            </a:r>
           </a:p>
         </p:txBody>
       </p:sp>
     </p:spTree>
     <p:extLst>
       <p:ext uri="{BB962C8B-B14F-4D97-AF65-F5344CB8AC3E}">
-        <p14:creationId xmlns:p14="http://schemas.microsoft.com/office/powerpoint/2010/main" val="757335135"/>
+        <p14:creationId xmlns:p14="http://schemas.microsoft.com/office/powerpoint/2010/main" val="3204888435"/>
       </p:ext>
     </p:extLst>
   </p:cSld>
@@ -3730,6 +3882,263 @@
           <p:cNvPr id="2" name="Title 1">
             <a:extLst>
               <a:ext uri="{FF2B5EF4-FFF2-40B4-BE49-F238E27FC236}">
+                <a16:creationId xmlns:a16="http://schemas.microsoft.com/office/drawing/2014/main" id="{8E78C0FA-47B9-B3BE-D4D5-D6A591695208}"/>
+              </a:ext>
+            </a:extLst>
+          </p:cNvPr>
+          <p:cNvSpPr>
+            <a:spLocks noGrp="1"/>
+          </p:cNvSpPr>
+          <p:nvPr>
+            <p:ph type="title"/>
+          </p:nvPr>
+        </p:nvSpPr>
+        <p:spPr/>
+        <p:txBody>
+          <a:bodyPr/>
+          <a:lstStyle/>
+          <a:p>
+            <a:endParaRPr lang="en-US"/>
+          </a:p>
+        </p:txBody>
+      </p:sp>
+      <p:sp>
+        <p:nvSpPr>
+          <p:cNvPr id="3" name="Content Placeholder 2">
+            <a:extLst>
+              <a:ext uri="{FF2B5EF4-FFF2-40B4-BE49-F238E27FC236}">
+                <a16:creationId xmlns:a16="http://schemas.microsoft.com/office/drawing/2014/main" id="{28A07A11-A27F-9342-4CE9-811DA7BDED61}"/>
+              </a:ext>
+            </a:extLst>
+          </p:cNvPr>
+          <p:cNvSpPr>
+            <a:spLocks noGrp="1"/>
+          </p:cNvSpPr>
+          <p:nvPr>
+            <p:ph idx="1"/>
+          </p:nvPr>
+        </p:nvSpPr>
+        <p:spPr/>
+        <p:txBody>
+          <a:bodyPr/>
+          <a:lstStyle/>
+          <a:p>
+            <a:endParaRPr lang="en-US"/>
+          </a:p>
+        </p:txBody>
+      </p:sp>
+      <p:pic>
+        <p:nvPicPr>
+          <p:cNvPr id="3074" name="Picture 2">
+            <a:extLst>
+              <a:ext uri="{FF2B5EF4-FFF2-40B4-BE49-F238E27FC236}">
+                <a16:creationId xmlns:a16="http://schemas.microsoft.com/office/drawing/2014/main" id="{288D4B63-3AFC-F5A0-B63F-4DF26346FD2C}"/>
+              </a:ext>
+            </a:extLst>
+          </p:cNvPr>
+          <p:cNvPicPr>
+            <a:picLocks noChangeAspect="1" noChangeArrowheads="1"/>
+          </p:cNvPicPr>
+          <p:nvPr/>
+        </p:nvPicPr>
+        <p:blipFill>
+          <a:blip r:embed="rId2">
+            <a:extLst>
+              <a:ext uri="{28A0092B-C50C-407E-A947-70E740481C1C}">
+                <a14:useLocalDpi xmlns:a14="http://schemas.microsoft.com/office/drawing/2010/main" val="0"/>
+              </a:ext>
+            </a:extLst>
+          </a:blip>
+          <a:srcRect/>
+          <a:stretch>
+            <a:fillRect/>
+          </a:stretch>
+        </p:blipFill>
+        <p:spPr bwMode="auto">
+          <a:xfrm>
+            <a:off x="2203450" y="0"/>
+            <a:ext cx="7783513" cy="6858000"/>
+          </a:xfrm>
+          <a:prstGeom prst="rect">
+            <a:avLst/>
+          </a:prstGeom>
+          <a:noFill/>
+          <a:extLst>
+            <a:ext uri="{909E8E84-426E-40DD-AFC4-6F175D3DCCD1}">
+              <a14:hiddenFill xmlns:a14="http://schemas.microsoft.com/office/drawing/2010/main">
+                <a:solidFill>
+                  <a:srgbClr val="FFFFFF"/>
+                </a:solidFill>
+              </a14:hiddenFill>
+            </a:ext>
+          </a:extLst>
+        </p:spPr>
+      </p:pic>
+    </p:spTree>
+    <p:extLst>
+      <p:ext uri="{BB962C8B-B14F-4D97-AF65-F5344CB8AC3E}">
+        <p14:creationId xmlns:p14="http://schemas.microsoft.com/office/powerpoint/2010/main" val="613255457"/>
+      </p:ext>
+    </p:extLst>
+  </p:cSld>
+  <p:clrMapOvr>
+    <a:masterClrMapping/>
+  </p:clrMapOvr>
+</p:sld>
+</file>
+
+<file path=ppt/slides/slide11.xml><?xml version="1.0" encoding="utf-8"?>
+<p:sld xmlns:a="http://schemas.openxmlformats.org/drawingml/2006/main" xmlns:r="http://schemas.openxmlformats.org/officeDocument/2006/relationships" xmlns:p="http://schemas.openxmlformats.org/presentationml/2006/main">
+  <p:cSld>
+    <p:spTree>
+      <p:nvGrpSpPr>
+        <p:cNvPr id="1" name=""/>
+        <p:cNvGrpSpPr/>
+        <p:nvPr/>
+      </p:nvGrpSpPr>
+      <p:grpSpPr>
+        <a:xfrm>
+          <a:off x="0" y="0"/>
+          <a:ext cx="0" cy="0"/>
+          <a:chOff x="0" y="0"/>
+          <a:chExt cx="0" cy="0"/>
+        </a:xfrm>
+      </p:grpSpPr>
+      <p:sp>
+        <p:nvSpPr>
+          <p:cNvPr id="2" name="Title 1">
+            <a:extLst>
+              <a:ext uri="{FF2B5EF4-FFF2-40B4-BE49-F238E27FC236}">
+                <a16:creationId xmlns:a16="http://schemas.microsoft.com/office/drawing/2014/main" id="{5B53DAD5-455F-D86F-4F93-A4FB5B94B5EC}"/>
+              </a:ext>
+            </a:extLst>
+          </p:cNvPr>
+          <p:cNvSpPr>
+            <a:spLocks noGrp="1"/>
+          </p:cNvSpPr>
+          <p:nvPr>
+            <p:ph type="title"/>
+          </p:nvPr>
+        </p:nvSpPr>
+        <p:spPr/>
+        <p:txBody>
+          <a:bodyPr/>
+          <a:lstStyle/>
+          <a:p>
+            <a:r>
+              <a:rPr lang="en-US" dirty="0"/>
+              <a:t>Density Plot on A Histogram</a:t>
+            </a:r>
+          </a:p>
+        </p:txBody>
+      </p:sp>
+      <p:sp>
+        <p:nvSpPr>
+          <p:cNvPr id="3" name="Content Placeholder 2">
+            <a:extLst>
+              <a:ext uri="{FF2B5EF4-FFF2-40B4-BE49-F238E27FC236}">
+                <a16:creationId xmlns:a16="http://schemas.microsoft.com/office/drawing/2014/main" id="{D411E5F4-FE4F-8DFD-2531-162284F90751}"/>
+              </a:ext>
+            </a:extLst>
+          </p:cNvPr>
+          <p:cNvSpPr>
+            <a:spLocks noGrp="1"/>
+          </p:cNvSpPr>
+          <p:nvPr>
+            <p:ph idx="1"/>
+          </p:nvPr>
+        </p:nvSpPr>
+        <p:spPr/>
+        <p:txBody>
+          <a:bodyPr/>
+          <a:lstStyle/>
+          <a:p>
+            <a:endParaRPr lang="en-US" dirty="0"/>
+          </a:p>
+        </p:txBody>
+      </p:sp>
+      <p:pic>
+        <p:nvPicPr>
+          <p:cNvPr id="4098" name="Picture 2">
+            <a:extLst>
+              <a:ext uri="{FF2B5EF4-FFF2-40B4-BE49-F238E27FC236}">
+                <a16:creationId xmlns:a16="http://schemas.microsoft.com/office/drawing/2014/main" id="{8B27C988-175C-DB79-70D0-63291AA6F455}"/>
+              </a:ext>
+            </a:extLst>
+          </p:cNvPr>
+          <p:cNvPicPr>
+            <a:picLocks noChangeAspect="1" noChangeArrowheads="1"/>
+          </p:cNvPicPr>
+          <p:nvPr/>
+        </p:nvPicPr>
+        <p:blipFill>
+          <a:blip r:embed="rId2">
+            <a:extLst>
+              <a:ext uri="{28A0092B-C50C-407E-A947-70E740481C1C}">
+                <a14:useLocalDpi xmlns:a14="http://schemas.microsoft.com/office/drawing/2010/main" val="0"/>
+              </a:ext>
+            </a:extLst>
+          </a:blip>
+          <a:srcRect/>
+          <a:stretch>
+            <a:fillRect/>
+          </a:stretch>
+        </p:blipFill>
+        <p:spPr bwMode="auto">
+          <a:xfrm>
+            <a:off x="1593850" y="0"/>
+            <a:ext cx="9002713" cy="6858000"/>
+          </a:xfrm>
+          <a:prstGeom prst="rect">
+            <a:avLst/>
+          </a:prstGeom>
+          <a:noFill/>
+          <a:extLst>
+            <a:ext uri="{909E8E84-426E-40DD-AFC4-6F175D3DCCD1}">
+              <a14:hiddenFill xmlns:a14="http://schemas.microsoft.com/office/drawing/2010/main">
+                <a:solidFill>
+                  <a:srgbClr val="FFFFFF"/>
+                </a:solidFill>
+              </a14:hiddenFill>
+            </a:ext>
+          </a:extLst>
+        </p:spPr>
+      </p:pic>
+    </p:spTree>
+    <p:extLst>
+      <p:ext uri="{BB962C8B-B14F-4D97-AF65-F5344CB8AC3E}">
+        <p14:creationId xmlns:p14="http://schemas.microsoft.com/office/powerpoint/2010/main" val="3911371661"/>
+      </p:ext>
+    </p:extLst>
+  </p:cSld>
+  <p:clrMapOvr>
+    <a:masterClrMapping/>
+  </p:clrMapOvr>
+</p:sld>
+</file>
+
+<file path=ppt/slides/slide12.xml><?xml version="1.0" encoding="utf-8"?>
+<p:sld xmlns:a="http://schemas.openxmlformats.org/drawingml/2006/main" xmlns:r="http://schemas.openxmlformats.org/officeDocument/2006/relationships" xmlns:p="http://schemas.openxmlformats.org/presentationml/2006/main">
+  <p:cSld>
+    <p:spTree>
+      <p:nvGrpSpPr>
+        <p:cNvPr id="1" name=""/>
+        <p:cNvGrpSpPr/>
+        <p:nvPr/>
+      </p:nvGrpSpPr>
+      <p:grpSpPr>
+        <a:xfrm>
+          <a:off x="0" y="0"/>
+          <a:ext cx="0" cy="0"/>
+          <a:chOff x="0" y="0"/>
+          <a:chExt cx="0" cy="0"/>
+        </a:xfrm>
+      </p:grpSpPr>
+      <p:sp>
+        <p:nvSpPr>
+          <p:cNvPr id="2" name="Title 1">
+            <a:extLst>
+              <a:ext uri="{FF2B5EF4-FFF2-40B4-BE49-F238E27FC236}">
                 <a16:creationId xmlns:a16="http://schemas.microsoft.com/office/drawing/2014/main" id="{AC7D94E8-B123-0BE7-AF92-C0B64C6A32EC}"/>
               </a:ext>
             </a:extLst>
@@ -3820,7 +4229,7 @@
 </p:sld>
 </file>
 
-<file path=ppt/slides/slide11.xml><?xml version="1.0" encoding="utf-8"?>
+<file path=ppt/slides/slide13.xml><?xml version="1.0" encoding="utf-8"?>
 <p:sld xmlns:a="http://schemas.openxmlformats.org/drawingml/2006/main" xmlns:r="http://schemas.openxmlformats.org/officeDocument/2006/relationships" xmlns:p="http://schemas.openxmlformats.org/presentationml/2006/main">
   <p:cSld>
     <p:spTree>
@@ -3950,7 +4359,7 @@
 </p:sld>
 </file>
 
-<file path=ppt/slides/slide12.xml><?xml version="1.0" encoding="utf-8"?>
+<file path=ppt/slides/slide14.xml><?xml version="1.0" encoding="utf-8"?>
 <p:sld xmlns:a="http://schemas.openxmlformats.org/drawingml/2006/main" xmlns:r="http://schemas.openxmlformats.org/officeDocument/2006/relationships" xmlns:p="http://schemas.openxmlformats.org/presentationml/2006/main">
   <p:cSld>
     <p:spTree>
@@ -4070,7 +4479,7 @@
 </p:sld>
 </file>
 
-<file path=ppt/slides/slide13.xml><?xml version="1.0" encoding="utf-8"?>
+<file path=ppt/slides/slide15.xml><?xml version="1.0" encoding="utf-8"?>
 <p:sld xmlns:a="http://schemas.openxmlformats.org/drawingml/2006/main" xmlns:r="http://schemas.openxmlformats.org/officeDocument/2006/relationships" xmlns:p="http://schemas.openxmlformats.org/presentationml/2006/main">
   <p:cSld>
     <p:spTree>
@@ -4200,7 +4609,230 @@
 </p:sld>
 </file>
 
-<file path=ppt/slides/slide14.xml><?xml version="1.0" encoding="utf-8"?>
+<file path=ppt/slides/slide16.xml><?xml version="1.0" encoding="utf-8"?>
+<p:sld xmlns:a="http://schemas.openxmlformats.org/drawingml/2006/main" xmlns:r="http://schemas.openxmlformats.org/officeDocument/2006/relationships" xmlns:p="http://schemas.openxmlformats.org/presentationml/2006/main">
+  <p:cSld>
+    <p:bg>
+      <p:bgPr>
+        <a:gradFill rotWithShape="1">
+          <a:gsLst>
+            <a:gs pos="0">
+              <a:schemeClr val="bg2">
+                <a:tint val="94000"/>
+                <a:satMod val="80000"/>
+                <a:lumMod val="106000"/>
+              </a:schemeClr>
+            </a:gs>
+            <a:gs pos="100000">
+              <a:schemeClr val="bg2">
+                <a:shade val="80000"/>
+              </a:schemeClr>
+            </a:gs>
+          </a:gsLst>
+          <a:path path="circle">
+            <a:fillToRect l="43000" r="43000" b="100000"/>
+          </a:path>
+        </a:gradFill>
+        <a:effectLst/>
+      </p:bgPr>
+    </p:bg>
+    <p:spTree>
+      <p:nvGrpSpPr>
+        <p:cNvPr id="1" name=""/>
+        <p:cNvGrpSpPr/>
+        <p:nvPr/>
+      </p:nvGrpSpPr>
+      <p:grpSpPr>
+        <a:xfrm>
+          <a:off x="0" y="0"/>
+          <a:ext cx="0" cy="0"/>
+          <a:chOff x="0" y="0"/>
+          <a:chExt cx="0" cy="0"/>
+        </a:xfrm>
+      </p:grpSpPr>
+      <p:sp>
+        <p:nvSpPr>
+          <p:cNvPr id="2" name="Title 1">
+            <a:extLst>
+              <a:ext uri="{FF2B5EF4-FFF2-40B4-BE49-F238E27FC236}">
+                <a16:creationId xmlns:a16="http://schemas.microsoft.com/office/drawing/2014/main" id="{97DD2A10-5A31-DDE2-E5CC-D499C37F5080}"/>
+              </a:ext>
+            </a:extLst>
+          </p:cNvPr>
+          <p:cNvSpPr>
+            <a:spLocks noGrp="1"/>
+          </p:cNvSpPr>
+          <p:nvPr>
+            <p:ph type="title"/>
+          </p:nvPr>
+        </p:nvSpPr>
+        <p:spPr>
+          <a:xfrm>
+            <a:off x="1451579" y="804519"/>
+            <a:ext cx="9603275" cy="1049235"/>
+          </a:xfrm>
+        </p:spPr>
+        <p:txBody>
+          <a:bodyPr>
+            <a:normAutofit/>
+          </a:bodyPr>
+          <a:lstStyle/>
+          <a:p>
+            <a:r>
+              <a:rPr lang="en-US" dirty="0"/>
+              <a:t>Analytical Distributions</a:t>
+            </a:r>
+          </a:p>
+        </p:txBody>
+      </p:sp>
+      <p:sp>
+        <p:nvSpPr>
+          <p:cNvPr id="3" name="Content Placeholder 2">
+            <a:extLst>
+              <a:ext uri="{FF2B5EF4-FFF2-40B4-BE49-F238E27FC236}">
+                <a16:creationId xmlns:a16="http://schemas.microsoft.com/office/drawing/2014/main" id="{57486585-4978-FE6A-80E7-BE4DAF08F6DD}"/>
+              </a:ext>
+            </a:extLst>
+          </p:cNvPr>
+          <p:cNvSpPr>
+            <a:spLocks noGrp="1"/>
+          </p:cNvSpPr>
+          <p:nvPr>
+            <p:ph idx="1"/>
+          </p:nvPr>
+        </p:nvSpPr>
+        <p:spPr>
+          <a:xfrm>
+            <a:off x="1451579" y="2015734"/>
+            <a:ext cx="6195784" cy="3450613"/>
+          </a:xfrm>
+        </p:spPr>
+        <p:txBody>
+          <a:bodyPr>
+            <a:normAutofit/>
+          </a:bodyPr>
+          <a:lstStyle/>
+          <a:p>
+            <a:pPr>
+              <a:lnSpc>
+                <a:spcPct val="110000"/>
+              </a:lnSpc>
+            </a:pPr>
+            <a:r>
+              <a:rPr lang="en-US" sz="1700"/>
+              <a:t>Analytical distributions define the shape of a distribution mathematically. </a:t>
+            </a:r>
+          </a:p>
+          <a:p>
+            <a:pPr>
+              <a:lnSpc>
+                <a:spcPct val="110000"/>
+              </a:lnSpc>
+            </a:pPr>
+            <a:r>
+              <a:rPr lang="en-US" sz="1700"/>
+              <a:t>Don’t rely on a particular set of data. </a:t>
+            </a:r>
+          </a:p>
+          <a:p>
+            <a:pPr>
+              <a:lnSpc>
+                <a:spcPct val="110000"/>
+              </a:lnSpc>
+            </a:pPr>
+            <a:r>
+              <a:rPr lang="en-US" sz="1700"/>
+              <a:t>Exact shape is determined by parameters.</a:t>
+            </a:r>
+          </a:p>
+          <a:p>
+            <a:pPr lvl="1">
+              <a:lnSpc>
+                <a:spcPct val="110000"/>
+              </a:lnSpc>
+            </a:pPr>
+            <a:r>
+              <a:rPr lang="en-US" sz="1700"/>
+              <a:t>E.g. mean and standard deviation. </a:t>
+            </a:r>
+          </a:p>
+          <a:p>
+            <a:pPr>
+              <a:lnSpc>
+                <a:spcPct val="110000"/>
+              </a:lnSpc>
+            </a:pPr>
+            <a:r>
+              <a:rPr lang="en-US" sz="1700"/>
+              <a:t>We can ‘match’ our empirical data to a similar analytical distribution. </a:t>
+            </a:r>
+          </a:p>
+          <a:p>
+            <a:pPr lvl="1">
+              <a:lnSpc>
+                <a:spcPct val="110000"/>
+              </a:lnSpc>
+            </a:pPr>
+            <a:r>
+              <a:rPr lang="en-US" sz="1700"/>
+              <a:t>We can then use the properties of that distribution on our data. </a:t>
+            </a:r>
+          </a:p>
+        </p:txBody>
+      </p:sp>
+      <p:pic>
+        <p:nvPicPr>
+          <p:cNvPr id="7" name="Graphic 6" descr="Statistics">
+            <a:extLst>
+              <a:ext uri="{FF2B5EF4-FFF2-40B4-BE49-F238E27FC236}">
+                <a16:creationId xmlns:a16="http://schemas.microsoft.com/office/drawing/2014/main" id="{47E80015-1F6C-2A39-D56B-158CA6C1438A}"/>
+              </a:ext>
+            </a:extLst>
+          </p:cNvPr>
+          <p:cNvPicPr>
+            <a:picLocks noChangeAspect="1"/>
+          </p:cNvPicPr>
+          <p:nvPr/>
+        </p:nvPicPr>
+        <p:blipFill>
+          <a:blip r:embed="rId2">
+            <a:extLst>
+              <a:ext uri="{28A0092B-C50C-407E-A947-70E740481C1C}">
+                <a14:useLocalDpi xmlns:a14="http://schemas.microsoft.com/office/drawing/2010/main" val="0"/>
+              </a:ext>
+              <a:ext uri="{96DAC541-7B7A-43D3-8B79-37D633B846F1}">
+                <asvg:svgBlip xmlns:asvg="http://schemas.microsoft.com/office/drawing/2016/SVG/main" r:embed="rId3"/>
+              </a:ext>
+            </a:extLst>
+          </a:blip>
+          <a:stretch>
+            <a:fillRect/>
+          </a:stretch>
+        </p:blipFill>
+        <p:spPr>
+          <a:xfrm>
+            <a:off x="8128756" y="2277991"/>
+            <a:ext cx="2926098" cy="2926098"/>
+          </a:xfrm>
+          <a:prstGeom prst="rect">
+            <a:avLst/>
+          </a:prstGeom>
+        </p:spPr>
+      </p:pic>
+    </p:spTree>
+    <p:extLst>
+      <p:ext uri="{BB962C8B-B14F-4D97-AF65-F5344CB8AC3E}">
+        <p14:creationId xmlns:p14="http://schemas.microsoft.com/office/powerpoint/2010/main" val="2852044474"/>
+      </p:ext>
+    </p:extLst>
+  </p:cSld>
+  <p:clrMapOvr>
+    <a:masterClrMapping/>
+  </p:clrMapOvr>
+</p:sld>
+</file>
+
+<file path=ppt/slides/slide17.xml><?xml version="1.0" encoding="utf-8"?>
 <p:sld xmlns:a="http://schemas.openxmlformats.org/drawingml/2006/main" xmlns:r="http://schemas.openxmlformats.org/officeDocument/2006/relationships" xmlns:p="http://schemas.openxmlformats.org/presentationml/2006/main">
   <p:cSld>
     <p:spTree>
@@ -4222,7 +4854,7 @@
           <p:cNvPr id="2" name="Title 1">
             <a:extLst>
               <a:ext uri="{FF2B5EF4-FFF2-40B4-BE49-F238E27FC236}">
-                <a16:creationId xmlns:a16="http://schemas.microsoft.com/office/drawing/2014/main" id="{97DD2A10-5A31-DDE2-E5CC-D499C37F5080}"/>
+                <a16:creationId xmlns:a16="http://schemas.microsoft.com/office/drawing/2014/main" id="{E885A71B-91E2-2DE3-8DD4-24C25CE1759C}"/>
               </a:ext>
             </a:extLst>
           </p:cNvPr>
@@ -4240,7 +4872,7 @@
           <a:p>
             <a:r>
               <a:rPr lang="en-US" dirty="0"/>
-              <a:t>Analytical Distributions</a:t>
+              <a:t>Example – Generalizing from Sample</a:t>
             </a:r>
           </a:p>
         </p:txBody>
@@ -4250,7 +4882,7 @@
           <p:cNvPr id="3" name="Content Placeholder 2">
             <a:extLst>
               <a:ext uri="{FF2B5EF4-FFF2-40B4-BE49-F238E27FC236}">
-                <a16:creationId xmlns:a16="http://schemas.microsoft.com/office/drawing/2014/main" id="{57486585-4978-FE6A-80E7-BE4DAF08F6DD}"/>
+                <a16:creationId xmlns:a16="http://schemas.microsoft.com/office/drawing/2014/main" id="{4551837D-70C8-63BB-E507-913EB93C7EA7}"/>
               </a:ext>
             </a:extLst>
           </p:cNvPr>
@@ -4261,46 +4893,74 @@
             <p:ph idx="1"/>
           </p:nvPr>
         </p:nvSpPr>
-        <p:spPr/>
-        <p:txBody>
-          <a:bodyPr/>
-          <a:lstStyle/>
-          <a:p>
-            <a:r>
-              <a:rPr lang="en-US" dirty="0"/>
-              <a:t>Analytical distributions define the shape of a distribution mathematically. </a:t>
-            </a:r>
-          </a:p>
-          <a:p>
-            <a:r>
-              <a:rPr lang="en-US" dirty="0"/>
-              <a:t>Don’t rely on a particular set of data. </a:t>
-            </a:r>
-          </a:p>
-          <a:p>
-            <a:r>
-              <a:rPr lang="en-US" dirty="0"/>
-              <a:t>Exact shape is determined by parameters.</a:t>
+        <p:spPr>
+          <a:xfrm>
+            <a:off x="1451579" y="1853754"/>
+            <a:ext cx="9603275" cy="4199727"/>
+          </a:xfrm>
+        </p:spPr>
+        <p:txBody>
+          <a:bodyPr>
+            <a:normAutofit lnSpcReduction="10000"/>
+          </a:bodyPr>
+          <a:lstStyle/>
+          <a:p>
+            <a:r>
+              <a:rPr lang="en-US" dirty="0"/>
+              <a:t>Goal – “How many NAIT students are &lt;5’5” or &gt;6’5””?</a:t>
+            </a:r>
+          </a:p>
+          <a:p>
+            <a:r>
+              <a:rPr lang="en-US" dirty="0"/>
+              <a:t>Process:</a:t>
             </a:r>
           </a:p>
           <a:p>
             <a:pPr lvl="1"/>
             <a:r>
               <a:rPr lang="en-US" dirty="0"/>
-              <a:t>E.g. mean and standard deviation. </a:t>
-            </a:r>
-          </a:p>
-          <a:p>
-            <a:r>
-              <a:rPr lang="en-US" dirty="0"/>
-              <a:t>We can ‘match’ our empirical data to a similar analytical distribution. </a:t>
+              <a:t>Take a sample of N students, measure them. Calculate mean and std. </a:t>
             </a:r>
           </a:p>
           <a:p>
             <a:pPr lvl="1"/>
             <a:r>
               <a:rPr lang="en-US" dirty="0"/>
-              <a:t>We can then use the properties of that distribution on our data. </a:t>
+              <a:t>We ”know” height is normally distributed. (This is the logical leap). </a:t>
+            </a:r>
+          </a:p>
+          <a:p>
+            <a:pPr lvl="1"/>
+            <a:r>
+              <a:rPr lang="en-US" dirty="0"/>
+              <a:t>Generate a normal distribution matching mean and std from sample. </a:t>
+            </a:r>
+          </a:p>
+          <a:p>
+            <a:pPr lvl="1"/>
+            <a:r>
+              <a:rPr lang="en-US" dirty="0"/>
+              <a:t>Use standard normal distribution stuff (e.g. z-scores) to answer question. </a:t>
+            </a:r>
+          </a:p>
+          <a:p>
+            <a:r>
+              <a:rPr lang="en-US" dirty="0"/>
+              <a:t>We are able to take a small subset of know heights, generalize that to the population, and then perform analysis on that generalization. </a:t>
+            </a:r>
+          </a:p>
+          <a:p>
+            <a:pPr lvl="1"/>
+            <a:r>
+              <a:rPr lang="en-US" dirty="0"/>
+              <a:t>What may hurt or improve the reliability of this analysis. </a:t>
+            </a:r>
+          </a:p>
+          <a:p>
+            <a:r>
+              <a:rPr lang="en-US" dirty="0"/>
+              <a:t>If you see a Stats Canada estimate from census data, it is likely done like this. </a:t>
             </a:r>
           </a:p>
         </p:txBody>
@@ -4308,7 +4968,7 @@
     </p:spTree>
     <p:extLst>
       <p:ext uri="{BB962C8B-B14F-4D97-AF65-F5344CB8AC3E}">
-        <p14:creationId xmlns:p14="http://schemas.microsoft.com/office/powerpoint/2010/main" val="2852044474"/>
+        <p14:creationId xmlns:p14="http://schemas.microsoft.com/office/powerpoint/2010/main" val="3258882042"/>
       </p:ext>
     </p:extLst>
   </p:cSld>
@@ -4318,7 +4978,7 @@
 </p:sld>
 </file>
 
-<file path=ppt/slides/slide15.xml><?xml version="1.0" encoding="utf-8"?>
+<file path=ppt/slides/slide18.xml><?xml version="1.0" encoding="utf-8"?>
 <p:sld xmlns:a="http://schemas.openxmlformats.org/drawingml/2006/main" xmlns:r="http://schemas.openxmlformats.org/officeDocument/2006/relationships" xmlns:p="http://schemas.openxmlformats.org/presentationml/2006/main">
   <p:cSld>
     <p:spTree>
@@ -4340,152 +5000,6 @@
           <p:cNvPr id="2" name="Title 1">
             <a:extLst>
               <a:ext uri="{FF2B5EF4-FFF2-40B4-BE49-F238E27FC236}">
-                <a16:creationId xmlns:a16="http://schemas.microsoft.com/office/drawing/2014/main" id="{E885A71B-91E2-2DE3-8DD4-24C25CE1759C}"/>
-              </a:ext>
-            </a:extLst>
-          </p:cNvPr>
-          <p:cNvSpPr>
-            <a:spLocks noGrp="1"/>
-          </p:cNvSpPr>
-          <p:nvPr>
-            <p:ph type="title"/>
-          </p:nvPr>
-        </p:nvSpPr>
-        <p:spPr/>
-        <p:txBody>
-          <a:bodyPr/>
-          <a:lstStyle/>
-          <a:p>
-            <a:r>
-              <a:rPr lang="en-US" dirty="0"/>
-              <a:t>Example – Generalizing from Sample</a:t>
-            </a:r>
-          </a:p>
-        </p:txBody>
-      </p:sp>
-      <p:sp>
-        <p:nvSpPr>
-          <p:cNvPr id="3" name="Content Placeholder 2">
-            <a:extLst>
-              <a:ext uri="{FF2B5EF4-FFF2-40B4-BE49-F238E27FC236}">
-                <a16:creationId xmlns:a16="http://schemas.microsoft.com/office/drawing/2014/main" id="{4551837D-70C8-63BB-E507-913EB93C7EA7}"/>
-              </a:ext>
-            </a:extLst>
-          </p:cNvPr>
-          <p:cNvSpPr>
-            <a:spLocks noGrp="1"/>
-          </p:cNvSpPr>
-          <p:nvPr>
-            <p:ph idx="1"/>
-          </p:nvPr>
-        </p:nvSpPr>
-        <p:spPr>
-          <a:xfrm>
-            <a:off x="1451579" y="1853754"/>
-            <a:ext cx="9603275" cy="4199727"/>
-          </a:xfrm>
-        </p:spPr>
-        <p:txBody>
-          <a:bodyPr>
-            <a:normAutofit lnSpcReduction="10000"/>
-          </a:bodyPr>
-          <a:lstStyle/>
-          <a:p>
-            <a:r>
-              <a:rPr lang="en-US" dirty="0"/>
-              <a:t>Goal – “How many NAIT students are &lt;5’5” or &gt;6’5””?</a:t>
-            </a:r>
-          </a:p>
-          <a:p>
-            <a:r>
-              <a:rPr lang="en-US" dirty="0"/>
-              <a:t>Process:</a:t>
-            </a:r>
-          </a:p>
-          <a:p>
-            <a:pPr lvl="1"/>
-            <a:r>
-              <a:rPr lang="en-US" dirty="0"/>
-              <a:t>Take a sample of N students, measure them. Calculate mean and std. </a:t>
-            </a:r>
-          </a:p>
-          <a:p>
-            <a:pPr lvl="1"/>
-            <a:r>
-              <a:rPr lang="en-US" dirty="0"/>
-              <a:t>We ”know” height is normally distributed. (This is the logical leap). </a:t>
-            </a:r>
-          </a:p>
-          <a:p>
-            <a:pPr lvl="1"/>
-            <a:r>
-              <a:rPr lang="en-US" dirty="0"/>
-              <a:t>Generate a normal distribution matching mean and std from sample. </a:t>
-            </a:r>
-          </a:p>
-          <a:p>
-            <a:pPr lvl="1"/>
-            <a:r>
-              <a:rPr lang="en-US" dirty="0"/>
-              <a:t>Use standard normal distribution stuff (e.g. z-scores) to answer question. </a:t>
-            </a:r>
-          </a:p>
-          <a:p>
-            <a:r>
-              <a:rPr lang="en-US" dirty="0"/>
-              <a:t>We are able to take a small subset of know heights, generalize that to the population, and then perform analysis on that generalization. </a:t>
-            </a:r>
-          </a:p>
-          <a:p>
-            <a:pPr lvl="1"/>
-            <a:r>
-              <a:rPr lang="en-US" dirty="0"/>
-              <a:t>What may hurt or improve the reliability of this analysis. </a:t>
-            </a:r>
-          </a:p>
-          <a:p>
-            <a:r>
-              <a:rPr lang="en-US" dirty="0"/>
-              <a:t>If you see a Stats Canada estimate from census data, it is likely done like this. </a:t>
-            </a:r>
-          </a:p>
-        </p:txBody>
-      </p:sp>
-    </p:spTree>
-    <p:extLst>
-      <p:ext uri="{BB962C8B-B14F-4D97-AF65-F5344CB8AC3E}">
-        <p14:creationId xmlns:p14="http://schemas.microsoft.com/office/powerpoint/2010/main" val="3258882042"/>
-      </p:ext>
-    </p:extLst>
-  </p:cSld>
-  <p:clrMapOvr>
-    <a:masterClrMapping/>
-  </p:clrMapOvr>
-</p:sld>
-</file>
-
-<file path=ppt/slides/slide16.xml><?xml version="1.0" encoding="utf-8"?>
-<p:sld xmlns:a="http://schemas.openxmlformats.org/drawingml/2006/main" xmlns:r="http://schemas.openxmlformats.org/officeDocument/2006/relationships" xmlns:p="http://schemas.openxmlformats.org/presentationml/2006/main">
-  <p:cSld>
-    <p:spTree>
-      <p:nvGrpSpPr>
-        <p:cNvPr id="1" name=""/>
-        <p:cNvGrpSpPr/>
-        <p:nvPr/>
-      </p:nvGrpSpPr>
-      <p:grpSpPr>
-        <a:xfrm>
-          <a:off x="0" y="0"/>
-          <a:ext cx="0" cy="0"/>
-          <a:chOff x="0" y="0"/>
-          <a:chExt cx="0" cy="0"/>
-        </a:xfrm>
-      </p:grpSpPr>
-      <p:sp>
-        <p:nvSpPr>
-          <p:cNvPr id="2" name="Title 1">
-            <a:extLst>
-              <a:ext uri="{FF2B5EF4-FFF2-40B4-BE49-F238E27FC236}">
                 <a16:creationId xmlns:a16="http://schemas.microsoft.com/office/drawing/2014/main" id="{324C076A-B2B9-4F28-F19D-8320A313CB7E}"/>
               </a:ext>
             </a:extLst>
@@ -4502,10 +5016,7 @@
           <a:bodyPr/>
           <a:lstStyle/>
           <a:p>
-            <a:r>
-              <a:rPr lang="en-US"/>
-              <a:t>Conclusions</a:t>
-            </a:r>
+            <a:endParaRPr lang="en-US" dirty="0"/>
           </a:p>
         </p:txBody>
       </p:sp>
@@ -4534,6 +5045,53 @@
           </a:p>
         </p:txBody>
       </p:sp>
+      <p:pic>
+        <p:nvPicPr>
+          <p:cNvPr id="1026" name="Picture 2" descr="Understanding Different Types of Distributions You Will Encounter As A Data  Scientist | by Akshay Sharma | MyTake | Medium">
+            <a:extLst>
+              <a:ext uri="{FF2B5EF4-FFF2-40B4-BE49-F238E27FC236}">
+                <a16:creationId xmlns:a16="http://schemas.microsoft.com/office/drawing/2014/main" id="{10D0621F-C546-B29F-7BEC-3F089CFC1C3E}"/>
+              </a:ext>
+            </a:extLst>
+          </p:cNvPr>
+          <p:cNvPicPr>
+            <a:picLocks noChangeAspect="1" noChangeArrowheads="1"/>
+          </p:cNvPicPr>
+          <p:nvPr/>
+        </p:nvPicPr>
+        <p:blipFill>
+          <a:blip r:embed="rId2">
+            <a:extLst>
+              <a:ext uri="{28A0092B-C50C-407E-A947-70E740481C1C}">
+                <a14:useLocalDpi xmlns:a14="http://schemas.microsoft.com/office/drawing/2010/main" val="0"/>
+              </a:ext>
+            </a:extLst>
+          </a:blip>
+          <a:srcRect/>
+          <a:stretch>
+            <a:fillRect/>
+          </a:stretch>
+        </p:blipFill>
+        <p:spPr bwMode="auto">
+          <a:xfrm>
+            <a:off x="1171575" y="0"/>
+            <a:ext cx="9847263" cy="6858000"/>
+          </a:xfrm>
+          <a:prstGeom prst="rect">
+            <a:avLst/>
+          </a:prstGeom>
+          <a:noFill/>
+          <a:extLst>
+            <a:ext uri="{909E8E84-426E-40DD-AFC4-6F175D3DCCD1}">
+              <a14:hiddenFill xmlns:a14="http://schemas.microsoft.com/office/drawing/2010/main">
+                <a:solidFill>
+                  <a:srgbClr val="FFFFFF"/>
+                </a:solidFill>
+              </a14:hiddenFill>
+            </a:ext>
+          </a:extLst>
+        </p:spPr>
+      </p:pic>
     </p:spTree>
     <p:extLst>
       <p:ext uri="{BB962C8B-B14F-4D97-AF65-F5344CB8AC3E}">
@@ -4569,7 +5127,7 @@
           <p:cNvPr id="2" name="Title 1">
             <a:extLst>
               <a:ext uri="{FF2B5EF4-FFF2-40B4-BE49-F238E27FC236}">
-                <a16:creationId xmlns:a16="http://schemas.microsoft.com/office/drawing/2014/main" id="{5E77F43B-9063-795F-A437-23E749AC9F16}"/>
+                <a16:creationId xmlns:a16="http://schemas.microsoft.com/office/drawing/2014/main" id="{909951EA-A403-4C52-42D9-85332BB51FB4}"/>
               </a:ext>
             </a:extLst>
           </p:cNvPr>
@@ -4577,27 +5135,29 @@
             <a:spLocks noGrp="1"/>
           </p:cNvSpPr>
           <p:nvPr>
-            <p:ph type="title"/>
+            <p:ph type="ctrTitle"/>
           </p:nvPr>
         </p:nvSpPr>
         <p:spPr/>
         <p:txBody>
-          <a:bodyPr/>
-          <a:lstStyle/>
-          <a:p>
-            <a:r>
-              <a:rPr lang="en-US" dirty="0"/>
-              <a:t>So Much Data!</a:t>
-            </a:r>
-          </a:p>
-        </p:txBody>
-      </p:sp>
-      <p:sp>
-        <p:nvSpPr>
-          <p:cNvPr id="3" name="Content Placeholder 2">
+          <a:bodyPr>
+            <a:normAutofit/>
+          </a:bodyPr>
+          <a:lstStyle/>
+          <a:p>
+            <a:r>
+              <a:rPr lang="en-US" dirty="0"/>
+              <a:t>Distributions</a:t>
+            </a:r>
+          </a:p>
+        </p:txBody>
+      </p:sp>
+      <p:sp>
+        <p:nvSpPr>
+          <p:cNvPr id="3" name="Subtitle 2">
             <a:extLst>
               <a:ext uri="{FF2B5EF4-FFF2-40B4-BE49-F238E27FC236}">
-                <a16:creationId xmlns:a16="http://schemas.microsoft.com/office/drawing/2014/main" id="{CBF44235-FAC4-E5E9-6B51-9C8B376F06F1}"/>
+                <a16:creationId xmlns:a16="http://schemas.microsoft.com/office/drawing/2014/main" id="{E8E05441-E8DA-B65A-0CE4-EA002051F1FC}"/>
               </a:ext>
             </a:extLst>
           </p:cNvPr>
@@ -4605,7 +5165,7 @@
             <a:spLocks noGrp="1"/>
           </p:cNvSpPr>
           <p:nvPr>
-            <p:ph idx="1"/>
+            <p:ph type="subTitle" idx="1"/>
           </p:nvPr>
         </p:nvSpPr>
         <p:spPr/>
@@ -4613,37 +5173,14 @@
           <a:bodyPr/>
           <a:lstStyle/>
           <a:p>
-            <a:r>
-              <a:rPr lang="en-US" dirty="0"/>
-              <a:t>Our datasets are normally very large. </a:t>
-            </a:r>
-          </a:p>
-          <a:p>
-            <a:pPr lvl="1"/>
-            <a:r>
-              <a:rPr lang="en-US" dirty="0"/>
-              <a:t>Too big to deal with individual records. </a:t>
-            </a:r>
-          </a:p>
-          <a:p>
-            <a:pPr lvl="1"/>
-            <a:r>
-              <a:rPr lang="en-US" dirty="0"/>
-              <a:t>Especially large when we move into ML (potentially millions of records). </a:t>
-            </a:r>
-          </a:p>
-          <a:p>
-            <a:r>
-              <a:rPr lang="en-US" dirty="0"/>
-              <a:t>We understand our data by examining its distribution, rather than the specifics. </a:t>
-            </a:r>
+            <a:endParaRPr lang="en-US" dirty="0"/>
           </a:p>
         </p:txBody>
       </p:sp>
     </p:spTree>
     <p:extLst>
       <p:ext uri="{BB962C8B-B14F-4D97-AF65-F5344CB8AC3E}">
-        <p14:creationId xmlns:p14="http://schemas.microsoft.com/office/powerpoint/2010/main" val="2831268944"/>
+        <p14:creationId xmlns:p14="http://schemas.microsoft.com/office/powerpoint/2010/main" val="757335135"/>
       </p:ext>
     </p:extLst>
   </p:cSld>
@@ -4675,6 +5212,263 @@
           <p:cNvPr id="2" name="Title 1">
             <a:extLst>
               <a:ext uri="{FF2B5EF4-FFF2-40B4-BE49-F238E27FC236}">
+                <a16:creationId xmlns:a16="http://schemas.microsoft.com/office/drawing/2014/main" id="{5E77F43B-9063-795F-A437-23E749AC9F16}"/>
+              </a:ext>
+            </a:extLst>
+          </p:cNvPr>
+          <p:cNvSpPr>
+            <a:spLocks noGrp="1"/>
+          </p:cNvSpPr>
+          <p:nvPr>
+            <p:ph type="title"/>
+          </p:nvPr>
+        </p:nvSpPr>
+        <p:spPr/>
+        <p:txBody>
+          <a:bodyPr/>
+          <a:lstStyle/>
+          <a:p>
+            <a:r>
+              <a:rPr lang="en-US" dirty="0"/>
+              <a:t>So Much Data!</a:t>
+            </a:r>
+          </a:p>
+        </p:txBody>
+      </p:sp>
+      <p:sp>
+        <p:nvSpPr>
+          <p:cNvPr id="3" name="Content Placeholder 2">
+            <a:extLst>
+              <a:ext uri="{FF2B5EF4-FFF2-40B4-BE49-F238E27FC236}">
+                <a16:creationId xmlns:a16="http://schemas.microsoft.com/office/drawing/2014/main" id="{CBF44235-FAC4-E5E9-6B51-9C8B376F06F1}"/>
+              </a:ext>
+            </a:extLst>
+          </p:cNvPr>
+          <p:cNvSpPr>
+            <a:spLocks noGrp="1"/>
+          </p:cNvSpPr>
+          <p:nvPr>
+            <p:ph idx="1"/>
+          </p:nvPr>
+        </p:nvSpPr>
+        <p:spPr/>
+        <p:txBody>
+          <a:bodyPr/>
+          <a:lstStyle/>
+          <a:p>
+            <a:r>
+              <a:rPr lang="en-US" dirty="0"/>
+              <a:t>Our datasets are normally very large. </a:t>
+            </a:r>
+          </a:p>
+          <a:p>
+            <a:pPr lvl="1"/>
+            <a:r>
+              <a:rPr lang="en-US" dirty="0"/>
+              <a:t>Too big to deal with individual records. </a:t>
+            </a:r>
+          </a:p>
+          <a:p>
+            <a:pPr lvl="1"/>
+            <a:r>
+              <a:rPr lang="en-US" dirty="0"/>
+              <a:t>Especially large when we move into ML (potentially millions of records). </a:t>
+            </a:r>
+          </a:p>
+          <a:p>
+            <a:r>
+              <a:rPr lang="en-US" dirty="0"/>
+              <a:t>We understand our data by examining its distribution, rather than the specifics. </a:t>
+            </a:r>
+          </a:p>
+          <a:p>
+            <a:pPr lvl="1"/>
+            <a:r>
+              <a:rPr lang="en-US" dirty="0"/>
+              <a:t>Lots of data falls into patterns, and we can use that to more easily understand it. </a:t>
+            </a:r>
+          </a:p>
+        </p:txBody>
+      </p:sp>
+    </p:spTree>
+    <p:extLst>
+      <p:ext uri="{BB962C8B-B14F-4D97-AF65-F5344CB8AC3E}">
+        <p14:creationId xmlns:p14="http://schemas.microsoft.com/office/powerpoint/2010/main" val="2831268944"/>
+      </p:ext>
+    </p:extLst>
+  </p:cSld>
+  <p:clrMapOvr>
+    <a:masterClrMapping/>
+  </p:clrMapOvr>
+</p:sld>
+</file>
+
+<file path=ppt/slides/slide4.xml><?xml version="1.0" encoding="utf-8"?>
+<p:sld xmlns:a="http://schemas.openxmlformats.org/drawingml/2006/main" xmlns:r="http://schemas.openxmlformats.org/officeDocument/2006/relationships" xmlns:p="http://schemas.openxmlformats.org/presentationml/2006/main">
+  <p:cSld>
+    <p:spTree>
+      <p:nvGrpSpPr>
+        <p:cNvPr id="1" name=""/>
+        <p:cNvGrpSpPr/>
+        <p:nvPr/>
+      </p:nvGrpSpPr>
+      <p:grpSpPr>
+        <a:xfrm>
+          <a:off x="0" y="0"/>
+          <a:ext cx="0" cy="0"/>
+          <a:chOff x="0" y="0"/>
+          <a:chExt cx="0" cy="0"/>
+        </a:xfrm>
+      </p:grpSpPr>
+      <p:sp>
+        <p:nvSpPr>
+          <p:cNvPr id="2" name="Title 1">
+            <a:extLst>
+              <a:ext uri="{FF2B5EF4-FFF2-40B4-BE49-F238E27FC236}">
+                <a16:creationId xmlns:a16="http://schemas.microsoft.com/office/drawing/2014/main" id="{17CA4705-0349-FFBB-6865-C09B3F6E390F}"/>
+              </a:ext>
+            </a:extLst>
+          </p:cNvPr>
+          <p:cNvSpPr>
+            <a:spLocks noGrp="1"/>
+          </p:cNvSpPr>
+          <p:nvPr>
+            <p:ph type="title"/>
+          </p:nvPr>
+        </p:nvSpPr>
+        <p:spPr/>
+        <p:txBody>
+          <a:bodyPr/>
+          <a:lstStyle/>
+          <a:p>
+            <a:r>
+              <a:rPr lang="en-US" dirty="0"/>
+              <a:t>Populations and Samples</a:t>
+            </a:r>
+          </a:p>
+        </p:txBody>
+      </p:sp>
+      <p:sp>
+        <p:nvSpPr>
+          <p:cNvPr id="3" name="Content Placeholder 2">
+            <a:extLst>
+              <a:ext uri="{FF2B5EF4-FFF2-40B4-BE49-F238E27FC236}">
+                <a16:creationId xmlns:a16="http://schemas.microsoft.com/office/drawing/2014/main" id="{C81BD5EB-C0AB-61FE-3BD3-99C63B989F66}"/>
+              </a:ext>
+            </a:extLst>
+          </p:cNvPr>
+          <p:cNvSpPr>
+            <a:spLocks noGrp="1"/>
+          </p:cNvSpPr>
+          <p:nvPr>
+            <p:ph idx="1"/>
+          </p:nvPr>
+        </p:nvSpPr>
+        <p:spPr>
+          <a:xfrm>
+            <a:off x="688769" y="2015732"/>
+            <a:ext cx="11329060" cy="4123811"/>
+          </a:xfrm>
+        </p:spPr>
+        <p:txBody>
+          <a:bodyPr/>
+          <a:lstStyle/>
+          <a:p>
+            <a:r>
+              <a:rPr lang="en-US" dirty="0"/>
+              <a:t>In general, we don’t have all the data, we only have some subset. </a:t>
+            </a:r>
+          </a:p>
+          <a:p>
+            <a:pPr lvl="1"/>
+            <a:r>
+              <a:rPr lang="en-US" dirty="0"/>
+              <a:t>E.g. a political poll takes several thousand (or less) responses to estimate an election. </a:t>
+            </a:r>
+          </a:p>
+          <a:p>
+            <a:r>
+              <a:rPr lang="en-US" dirty="0"/>
+              <a:t>Population:</a:t>
+            </a:r>
+          </a:p>
+          <a:p>
+            <a:pPr lvl="1"/>
+            <a:r>
+              <a:rPr lang="en-US" dirty="0"/>
+              <a:t>All the data that exists on whatever we are looking at. </a:t>
+            </a:r>
+          </a:p>
+          <a:p>
+            <a:pPr lvl="1"/>
+            <a:r>
+              <a:rPr lang="en-US" dirty="0"/>
+              <a:t>Relative to the question asked – e.g. data on college student means the pop is all students, not all humans. </a:t>
+            </a:r>
+          </a:p>
+          <a:p>
+            <a:r>
+              <a:rPr lang="en-US" dirty="0"/>
+              <a:t>Sample:</a:t>
+            </a:r>
+          </a:p>
+          <a:p>
+            <a:pPr lvl="1"/>
+            <a:r>
+              <a:rPr lang="en-US" dirty="0"/>
+              <a:t>The data we have. </a:t>
+            </a:r>
+          </a:p>
+          <a:p>
+            <a:pPr lvl="1"/>
+            <a:r>
+              <a:rPr lang="en-US" dirty="0"/>
+              <a:t>Some (maybe very small) fraction of the population. </a:t>
+            </a:r>
+          </a:p>
+          <a:p>
+            <a:r>
+              <a:rPr lang="en-US" dirty="0"/>
+              <a:t>We want samples that are representative – they mirror the population. More here when we do errors. </a:t>
+            </a:r>
+          </a:p>
+        </p:txBody>
+      </p:sp>
+    </p:spTree>
+    <p:extLst>
+      <p:ext uri="{BB962C8B-B14F-4D97-AF65-F5344CB8AC3E}">
+        <p14:creationId xmlns:p14="http://schemas.microsoft.com/office/powerpoint/2010/main" val="2454688128"/>
+      </p:ext>
+    </p:extLst>
+  </p:cSld>
+  <p:clrMapOvr>
+    <a:masterClrMapping/>
+  </p:clrMapOvr>
+</p:sld>
+</file>
+
+<file path=ppt/slides/slide5.xml><?xml version="1.0" encoding="utf-8"?>
+<p:sld xmlns:a="http://schemas.openxmlformats.org/drawingml/2006/main" xmlns:r="http://schemas.openxmlformats.org/officeDocument/2006/relationships" xmlns:p="http://schemas.openxmlformats.org/presentationml/2006/main">
+  <p:cSld>
+    <p:spTree>
+      <p:nvGrpSpPr>
+        <p:cNvPr id="1" name=""/>
+        <p:cNvGrpSpPr/>
+        <p:nvPr/>
+      </p:nvGrpSpPr>
+      <p:grpSpPr>
+        <a:xfrm>
+          <a:off x="0" y="0"/>
+          <a:ext cx="0" cy="0"/>
+          <a:chOff x="0" y="0"/>
+          <a:chExt cx="0" cy="0"/>
+        </a:xfrm>
+      </p:grpSpPr>
+      <p:sp>
+        <p:nvSpPr>
+          <p:cNvPr id="2" name="Title 1">
+            <a:extLst>
+              <a:ext uri="{FF2B5EF4-FFF2-40B4-BE49-F238E27FC236}">
                 <a16:creationId xmlns:a16="http://schemas.microsoft.com/office/drawing/2014/main" id="{22A22459-AB66-0DB2-BE85-BA21D42E7272}"/>
               </a:ext>
             </a:extLst>
@@ -4787,7 +5581,7 @@
 </p:sld>
 </file>
 
-<file path=ppt/slides/slide4.xml><?xml version="1.0" encoding="utf-8"?>
+<file path=ppt/slides/slide6.xml><?xml version="1.0" encoding="utf-8"?>
 <p:sld xmlns:a="http://schemas.openxmlformats.org/drawingml/2006/main" xmlns:r="http://schemas.openxmlformats.org/officeDocument/2006/relationships" xmlns:p="http://schemas.openxmlformats.org/presentationml/2006/main">
   <p:cSld>
     <p:spTree>
@@ -4964,7 +5758,7 @@
 </p:sld>
 </file>
 
-<file path=ppt/slides/slide5.xml><?xml version="1.0" encoding="utf-8"?>
+<file path=ppt/slides/slide7.xml><?xml version="1.0" encoding="utf-8"?>
 <p:sld xmlns:a="http://schemas.openxmlformats.org/drawingml/2006/main" xmlns:r="http://schemas.openxmlformats.org/officeDocument/2006/relationships" xmlns:p="http://schemas.openxmlformats.org/presentationml/2006/main">
   <p:cSld>
     <p:spTree>
@@ -5094,238 +5888,6 @@
 </p:sld>
 </file>
 
-<file path=ppt/slides/slide6.xml><?xml version="1.0" encoding="utf-8"?>
-<p:sld xmlns:a="http://schemas.openxmlformats.org/drawingml/2006/main" xmlns:r="http://schemas.openxmlformats.org/officeDocument/2006/relationships" xmlns:p="http://schemas.openxmlformats.org/presentationml/2006/main">
-  <p:cSld>
-    <p:spTree>
-      <p:nvGrpSpPr>
-        <p:cNvPr id="1" name=""/>
-        <p:cNvGrpSpPr/>
-        <p:nvPr/>
-      </p:nvGrpSpPr>
-      <p:grpSpPr>
-        <a:xfrm>
-          <a:off x="0" y="0"/>
-          <a:ext cx="0" cy="0"/>
-          <a:chOff x="0" y="0"/>
-          <a:chExt cx="0" cy="0"/>
-        </a:xfrm>
-      </p:grpSpPr>
-      <p:sp>
-        <p:nvSpPr>
-          <p:cNvPr id="2" name="Title 1">
-            <a:extLst>
-              <a:ext uri="{FF2B5EF4-FFF2-40B4-BE49-F238E27FC236}">
-                <a16:creationId xmlns:a16="http://schemas.microsoft.com/office/drawing/2014/main" id="{5194F1E9-3E05-C5EE-64A2-C4150779EB2E}"/>
-              </a:ext>
-            </a:extLst>
-          </p:cNvPr>
-          <p:cNvSpPr>
-            <a:spLocks noGrp="1"/>
-          </p:cNvSpPr>
-          <p:nvPr>
-            <p:ph type="title"/>
-          </p:nvPr>
-        </p:nvSpPr>
-        <p:spPr/>
-        <p:txBody>
-          <a:bodyPr/>
-          <a:lstStyle/>
-          <a:p>
-            <a:r>
-              <a:rPr lang="en-US" dirty="0"/>
-              <a:t>Histogram Keys</a:t>
-            </a:r>
-          </a:p>
-        </p:txBody>
-      </p:sp>
-      <p:sp>
-        <p:nvSpPr>
-          <p:cNvPr id="3" name="Content Placeholder 2">
-            <a:extLst>
-              <a:ext uri="{FF2B5EF4-FFF2-40B4-BE49-F238E27FC236}">
-                <a16:creationId xmlns:a16="http://schemas.microsoft.com/office/drawing/2014/main" id="{F6FFCF8D-E72C-A029-4B59-DA8E76BD9E68}"/>
-              </a:ext>
-            </a:extLst>
-          </p:cNvPr>
-          <p:cNvSpPr>
-            <a:spLocks noGrp="1"/>
-          </p:cNvSpPr>
-          <p:nvPr>
-            <p:ph idx="1"/>
-          </p:nvPr>
-        </p:nvSpPr>
-        <p:spPr/>
-        <p:txBody>
-          <a:bodyPr/>
-          <a:lstStyle/>
-          <a:p>
-            <a:r>
-              <a:rPr lang="en-US" dirty="0"/>
-              <a:t>The size of the bars, or the width of the bins, is flexible:</a:t>
-            </a:r>
-          </a:p>
-          <a:p>
-            <a:pPr lvl="1"/>
-            <a:r>
-              <a:rPr lang="en-US" dirty="0"/>
-              <a:t>Choose to illustrate the pattern in the data. </a:t>
-            </a:r>
-          </a:p>
-          <a:p>
-            <a:r>
-              <a:rPr lang="en-US" dirty="0"/>
-              <a:t>The Y axis is always a count of how many times something occurs. </a:t>
-            </a:r>
-          </a:p>
-          <a:p>
-            <a:r>
-              <a:rPr lang="en-US" dirty="0"/>
-              <a:t>The X axis is some numerical value – we are breaking that range into parts to generate the graph. </a:t>
-            </a:r>
-          </a:p>
-        </p:txBody>
-      </p:sp>
-    </p:spTree>
-    <p:extLst>
-      <p:ext uri="{BB962C8B-B14F-4D97-AF65-F5344CB8AC3E}">
-        <p14:creationId xmlns:p14="http://schemas.microsoft.com/office/powerpoint/2010/main" val="3202998727"/>
-      </p:ext>
-    </p:extLst>
-  </p:cSld>
-  <p:clrMapOvr>
-    <a:masterClrMapping/>
-  </p:clrMapOvr>
-</p:sld>
-</file>
-
-<file path=ppt/slides/slide7.xml><?xml version="1.0" encoding="utf-8"?>
-<p:sld xmlns:a="http://schemas.openxmlformats.org/drawingml/2006/main" xmlns:r="http://schemas.openxmlformats.org/officeDocument/2006/relationships" xmlns:p="http://schemas.openxmlformats.org/presentationml/2006/main">
-  <p:cSld>
-    <p:spTree>
-      <p:nvGrpSpPr>
-        <p:cNvPr id="1" name=""/>
-        <p:cNvGrpSpPr/>
-        <p:nvPr/>
-      </p:nvGrpSpPr>
-      <p:grpSpPr>
-        <a:xfrm>
-          <a:off x="0" y="0"/>
-          <a:ext cx="0" cy="0"/>
-          <a:chOff x="0" y="0"/>
-          <a:chExt cx="0" cy="0"/>
-        </a:xfrm>
-      </p:grpSpPr>
-      <p:sp>
-        <p:nvSpPr>
-          <p:cNvPr id="2" name="Title 1">
-            <a:extLst>
-              <a:ext uri="{FF2B5EF4-FFF2-40B4-BE49-F238E27FC236}">
-                <a16:creationId xmlns:a16="http://schemas.microsoft.com/office/drawing/2014/main" id="{787523D9-7780-6F1E-AA54-3CE48D62E4CB}"/>
-              </a:ext>
-            </a:extLst>
-          </p:cNvPr>
-          <p:cNvSpPr>
-            <a:spLocks noGrp="1"/>
-          </p:cNvSpPr>
-          <p:nvPr>
-            <p:ph type="title"/>
-          </p:nvPr>
-        </p:nvSpPr>
-        <p:spPr/>
-        <p:txBody>
-          <a:bodyPr/>
-          <a:lstStyle/>
-          <a:p>
-            <a:r>
-              <a:rPr lang="en-US" dirty="0"/>
-              <a:t>Density Plots</a:t>
-            </a:r>
-          </a:p>
-        </p:txBody>
-      </p:sp>
-      <p:sp>
-        <p:nvSpPr>
-          <p:cNvPr id="3" name="Content Placeholder 2">
-            <a:extLst>
-              <a:ext uri="{FF2B5EF4-FFF2-40B4-BE49-F238E27FC236}">
-                <a16:creationId xmlns:a16="http://schemas.microsoft.com/office/drawing/2014/main" id="{0A6A68F8-CBA3-1B48-7D05-842D0B580638}"/>
-              </a:ext>
-            </a:extLst>
-          </p:cNvPr>
-          <p:cNvSpPr>
-            <a:spLocks noGrp="1"/>
-          </p:cNvSpPr>
-          <p:nvPr>
-            <p:ph idx="1"/>
-          </p:nvPr>
-        </p:nvSpPr>
-        <p:spPr>
-          <a:xfrm>
-            <a:off x="1451579" y="2015732"/>
-            <a:ext cx="9603275" cy="4037749"/>
-          </a:xfrm>
-        </p:spPr>
-        <p:txBody>
-          <a:bodyPr/>
-          <a:lstStyle/>
-          <a:p>
-            <a:r>
-              <a:rPr lang="en-US" dirty="0"/>
-              <a:t>Density plots are effectively a “continuous line” version of a histogram. </a:t>
-            </a:r>
-          </a:p>
-          <a:p>
-            <a:r>
-              <a:rPr lang="en-US" dirty="0"/>
-              <a:t>Still counts how likely something is to occur. </a:t>
-            </a:r>
-          </a:p>
-          <a:p>
-            <a:r>
-              <a:rPr lang="en-US" dirty="0"/>
-              <a:t>Y axis is the density, or the percentage of values that have that value. </a:t>
-            </a:r>
-          </a:p>
-          <a:p>
-            <a:r>
-              <a:rPr lang="en-US" dirty="0"/>
-              <a:t>Can visualize it as if the bins of a histogram got infinitely small. </a:t>
-            </a:r>
-          </a:p>
-          <a:p>
-            <a:r>
-              <a:rPr lang="en-US" dirty="0"/>
-              <a:t>Useful even when we don’t have the ability to count all the data (more on this later). </a:t>
-            </a:r>
-          </a:p>
-          <a:p>
-            <a:r>
-              <a:rPr lang="en-US" dirty="0"/>
-              <a:t>Provides a smoothed estimation of the exact counts found in a histogram. </a:t>
-            </a:r>
-          </a:p>
-          <a:p>
-            <a:r>
-              <a:rPr lang="en-US" dirty="0"/>
-              <a:t>While a histogram is based on sums, a density plot is based on calculus. </a:t>
-            </a:r>
-          </a:p>
-        </p:txBody>
-      </p:sp>
-    </p:spTree>
-    <p:extLst>
-      <p:ext uri="{BB962C8B-B14F-4D97-AF65-F5344CB8AC3E}">
-        <p14:creationId xmlns:p14="http://schemas.microsoft.com/office/powerpoint/2010/main" val="1191623847"/>
-      </p:ext>
-    </p:extLst>
-  </p:cSld>
-  <p:clrMapOvr>
-    <a:masterClrMapping/>
-  </p:clrMapOvr>
-</p:sld>
-</file>
-
 <file path=ppt/slides/slide8.xml><?xml version="1.0" encoding="utf-8"?>
 <p:sld xmlns:a="http://schemas.openxmlformats.org/drawingml/2006/main" xmlns:r="http://schemas.openxmlformats.org/officeDocument/2006/relationships" xmlns:p="http://schemas.openxmlformats.org/presentationml/2006/main">
   <p:cSld>
@@ -5348,7 +5910,7 @@
           <p:cNvPr id="2" name="Title 1">
             <a:extLst>
               <a:ext uri="{FF2B5EF4-FFF2-40B4-BE49-F238E27FC236}">
-                <a16:creationId xmlns:a16="http://schemas.microsoft.com/office/drawing/2014/main" id="{8E78C0FA-47B9-B3BE-D4D5-D6A591695208}"/>
+                <a16:creationId xmlns:a16="http://schemas.microsoft.com/office/drawing/2014/main" id="{5194F1E9-3E05-C5EE-64A2-C4150779EB2E}"/>
               </a:ext>
             </a:extLst>
           </p:cNvPr>
@@ -5364,7 +5926,10 @@
           <a:bodyPr/>
           <a:lstStyle/>
           <a:p>
-            <a:endParaRPr lang="en-US"/>
+            <a:r>
+              <a:rPr lang="en-US" dirty="0"/>
+              <a:t>Histogram Keys</a:t>
+            </a:r>
           </a:p>
         </p:txBody>
       </p:sp>
@@ -5373,7 +5938,7 @@
           <p:cNvPr id="3" name="Content Placeholder 2">
             <a:extLst>
               <a:ext uri="{FF2B5EF4-FFF2-40B4-BE49-F238E27FC236}">
-                <a16:creationId xmlns:a16="http://schemas.microsoft.com/office/drawing/2014/main" id="{28A07A11-A27F-9342-4CE9-811DA7BDED61}"/>
+                <a16:creationId xmlns:a16="http://schemas.microsoft.com/office/drawing/2014/main" id="{F6FFCF8D-E72C-A029-4B59-DA8E76BD9E68}"/>
               </a:ext>
             </a:extLst>
           </p:cNvPr>
@@ -5389,61 +5954,45 @@
           <a:bodyPr/>
           <a:lstStyle/>
           <a:p>
-            <a:endParaRPr lang="en-US"/>
-          </a:p>
-        </p:txBody>
-      </p:sp>
-      <p:pic>
-        <p:nvPicPr>
-          <p:cNvPr id="3074" name="Picture 2">
-            <a:extLst>
-              <a:ext uri="{FF2B5EF4-FFF2-40B4-BE49-F238E27FC236}">
-                <a16:creationId xmlns:a16="http://schemas.microsoft.com/office/drawing/2014/main" id="{288D4B63-3AFC-F5A0-B63F-4DF26346FD2C}"/>
-              </a:ext>
-            </a:extLst>
-          </p:cNvPr>
-          <p:cNvPicPr>
-            <a:picLocks noChangeAspect="1" noChangeArrowheads="1"/>
-          </p:cNvPicPr>
-          <p:nvPr/>
-        </p:nvPicPr>
-        <p:blipFill>
-          <a:blip r:embed="rId2">
-            <a:extLst>
-              <a:ext uri="{28A0092B-C50C-407E-A947-70E740481C1C}">
-                <a14:useLocalDpi xmlns:a14="http://schemas.microsoft.com/office/drawing/2010/main" val="0"/>
-              </a:ext>
-            </a:extLst>
-          </a:blip>
-          <a:srcRect/>
-          <a:stretch>
-            <a:fillRect/>
-          </a:stretch>
-        </p:blipFill>
-        <p:spPr bwMode="auto">
-          <a:xfrm>
-            <a:off x="2203450" y="0"/>
-            <a:ext cx="7783513" cy="6858000"/>
-          </a:xfrm>
-          <a:prstGeom prst="rect">
-            <a:avLst/>
-          </a:prstGeom>
-          <a:noFill/>
-          <a:extLst>
-            <a:ext uri="{909E8E84-426E-40DD-AFC4-6F175D3DCCD1}">
-              <a14:hiddenFill xmlns:a14="http://schemas.microsoft.com/office/drawing/2010/main">
-                <a:solidFill>
-                  <a:srgbClr val="FFFFFF"/>
-                </a:solidFill>
-              </a14:hiddenFill>
-            </a:ext>
-          </a:extLst>
-        </p:spPr>
-      </p:pic>
+            <a:r>
+              <a:rPr lang="en-US" dirty="0"/>
+              <a:t>The size of the bars, or the width of the bins* is flexible:</a:t>
+            </a:r>
+          </a:p>
+          <a:p>
+            <a:pPr lvl="1"/>
+            <a:r>
+              <a:rPr lang="en-US" dirty="0"/>
+              <a:t>Choose to illustrate the pattern in the data. </a:t>
+            </a:r>
+          </a:p>
+          <a:p>
+            <a:r>
+              <a:rPr lang="en-US" dirty="0"/>
+              <a:t>The Y axis is always a count of how many times something occurs. </a:t>
+            </a:r>
+          </a:p>
+          <a:p>
+            <a:r>
+              <a:rPr lang="en-US" dirty="0"/>
+              <a:t>The X axis is some numerical value – we are breaking that range into parts to generate the graph. </a:t>
+            </a:r>
+          </a:p>
+          <a:p>
+            <a:endParaRPr lang="en-US" dirty="0"/>
+          </a:p>
+          <a:p>
+            <a:r>
+              <a:rPr lang="en-US" dirty="0"/>
+              <a:t>When there is a continuous value, it is “binned” or split into segments and grouped. </a:t>
+            </a:r>
+          </a:p>
+        </p:txBody>
+      </p:sp>
     </p:spTree>
     <p:extLst>
       <p:ext uri="{BB962C8B-B14F-4D97-AF65-F5344CB8AC3E}">
-        <p14:creationId xmlns:p14="http://schemas.microsoft.com/office/powerpoint/2010/main" val="613255457"/>
+        <p14:creationId xmlns:p14="http://schemas.microsoft.com/office/powerpoint/2010/main" val="3202998727"/>
       </p:ext>
     </p:extLst>
   </p:cSld>
@@ -5475,7 +6024,7 @@
           <p:cNvPr id="2" name="Title 1">
             <a:extLst>
               <a:ext uri="{FF2B5EF4-FFF2-40B4-BE49-F238E27FC236}">
-                <a16:creationId xmlns:a16="http://schemas.microsoft.com/office/drawing/2014/main" id="{5B53DAD5-455F-D86F-4F93-A4FB5B94B5EC}"/>
+                <a16:creationId xmlns:a16="http://schemas.microsoft.com/office/drawing/2014/main" id="{787523D9-7780-6F1E-AA54-3CE48D62E4CB}"/>
               </a:ext>
             </a:extLst>
           </p:cNvPr>
@@ -5493,7 +6042,7 @@
           <a:p>
             <a:r>
               <a:rPr lang="en-US" dirty="0"/>
-              <a:t>Density Plot on A Histogram</a:t>
+              <a:t>Density Plots</a:t>
             </a:r>
           </a:p>
         </p:txBody>
@@ -5503,7 +6052,7 @@
           <p:cNvPr id="3" name="Content Placeholder 2">
             <a:extLst>
               <a:ext uri="{FF2B5EF4-FFF2-40B4-BE49-F238E27FC236}">
-                <a16:creationId xmlns:a16="http://schemas.microsoft.com/office/drawing/2014/main" id="{D411E5F4-FE4F-8DFD-2531-162284F90751}"/>
+                <a16:creationId xmlns:a16="http://schemas.microsoft.com/office/drawing/2014/main" id="{0A6A68F8-CBA3-1B48-7D05-842D0B580638}"/>
               </a:ext>
             </a:extLst>
           </p:cNvPr>
@@ -5514,66 +6063,63 @@
             <p:ph idx="1"/>
           </p:nvPr>
         </p:nvSpPr>
-        <p:spPr/>
-        <p:txBody>
-          <a:bodyPr/>
-          <a:lstStyle/>
-          <a:p>
-            <a:endParaRPr lang="en-US" dirty="0"/>
-          </a:p>
-        </p:txBody>
-      </p:sp>
-      <p:pic>
-        <p:nvPicPr>
-          <p:cNvPr id="4098" name="Picture 2">
-            <a:extLst>
-              <a:ext uri="{FF2B5EF4-FFF2-40B4-BE49-F238E27FC236}">
-                <a16:creationId xmlns:a16="http://schemas.microsoft.com/office/drawing/2014/main" id="{8B27C988-175C-DB79-70D0-63291AA6F455}"/>
-              </a:ext>
-            </a:extLst>
-          </p:cNvPr>
-          <p:cNvPicPr>
-            <a:picLocks noChangeAspect="1" noChangeArrowheads="1"/>
-          </p:cNvPicPr>
-          <p:nvPr/>
-        </p:nvPicPr>
-        <p:blipFill>
-          <a:blip r:embed="rId2">
-            <a:extLst>
-              <a:ext uri="{28A0092B-C50C-407E-A947-70E740481C1C}">
-                <a14:useLocalDpi xmlns:a14="http://schemas.microsoft.com/office/drawing/2010/main" val="0"/>
-              </a:ext>
-            </a:extLst>
-          </a:blip>
-          <a:srcRect/>
-          <a:stretch>
-            <a:fillRect/>
-          </a:stretch>
-        </p:blipFill>
-        <p:spPr bwMode="auto">
+        <p:spPr>
           <a:xfrm>
-            <a:off x="1593850" y="0"/>
-            <a:ext cx="9002713" cy="6858000"/>
+            <a:off x="1451579" y="2015732"/>
+            <a:ext cx="9603275" cy="4037749"/>
           </a:xfrm>
-          <a:prstGeom prst="rect">
-            <a:avLst/>
-          </a:prstGeom>
-          <a:noFill/>
-          <a:extLst>
-            <a:ext uri="{909E8E84-426E-40DD-AFC4-6F175D3DCCD1}">
-              <a14:hiddenFill xmlns:a14="http://schemas.microsoft.com/office/drawing/2010/main">
-                <a:solidFill>
-                  <a:srgbClr val="FFFFFF"/>
-                </a:solidFill>
-              </a14:hiddenFill>
-            </a:ext>
-          </a:extLst>
         </p:spPr>
-      </p:pic>
+        <p:txBody>
+          <a:bodyPr/>
+          <a:lstStyle/>
+          <a:p>
+            <a:r>
+              <a:rPr lang="en-US" dirty="0"/>
+              <a:t>Density plots are effectively a “continuous line” version of a histogram. </a:t>
+            </a:r>
+          </a:p>
+          <a:p>
+            <a:r>
+              <a:rPr lang="en-US" dirty="0"/>
+              <a:t>Still counts how likely something is to occur. </a:t>
+            </a:r>
+          </a:p>
+          <a:p>
+            <a:r>
+              <a:rPr lang="en-US" dirty="0"/>
+              <a:t>Y axis is the density, or the percentage of values that have that value. </a:t>
+            </a:r>
+          </a:p>
+          <a:p>
+            <a:r>
+              <a:rPr lang="en-US" dirty="0"/>
+              <a:t>Can visualize it as if the bins of a histogram got infinitely small. </a:t>
+            </a:r>
+          </a:p>
+          <a:p>
+            <a:r>
+              <a:rPr lang="en-US" dirty="0"/>
+              <a:t>Useful even when we don’t have the ability to count all the data (more on this later). </a:t>
+            </a:r>
+          </a:p>
+          <a:p>
+            <a:r>
+              <a:rPr lang="en-US" dirty="0"/>
+              <a:t>Provides a smoothed estimation of the exact counts found in a histogram. </a:t>
+            </a:r>
+          </a:p>
+          <a:p>
+            <a:r>
+              <a:rPr lang="en-US" dirty="0"/>
+              <a:t>While a histogram is based on sums, a density plot is based on calculus. </a:t>
+            </a:r>
+          </a:p>
+        </p:txBody>
+      </p:sp>
     </p:spTree>
     <p:extLst>
       <p:ext uri="{BB962C8B-B14F-4D97-AF65-F5344CB8AC3E}">
-        <p14:creationId xmlns:p14="http://schemas.microsoft.com/office/powerpoint/2010/main" val="3911371661"/>
+        <p14:creationId xmlns:p14="http://schemas.microsoft.com/office/powerpoint/2010/main" val="1191623847"/>
       </p:ext>
     </p:extLst>
   </p:cSld>
